--- a/Presentatie Juryexamen/Presentatie Juryexamen v0.0.pptx
+++ b/Presentatie Juryexamen/Presentatie Juryexamen v0.0.pptx
@@ -4,6 +4,9 @@
   <p:sldMasterIdLst>
     <p:sldMasterId id="2147483708" r:id="rId1"/>
   </p:sldMasterIdLst>
+  <p:notesMasterIdLst>
+    <p:notesMasterId r:id="rId19"/>
+  </p:notesMasterIdLst>
   <p:sldIdLst>
     <p:sldId id="256" r:id="rId2"/>
     <p:sldId id="258" r:id="rId3"/>
@@ -12,15 +15,16 @@
     <p:sldId id="263" r:id="rId6"/>
     <p:sldId id="261" r:id="rId7"/>
     <p:sldId id="264" r:id="rId8"/>
-    <p:sldId id="265" r:id="rId9"/>
-    <p:sldId id="266" r:id="rId10"/>
-    <p:sldId id="269" r:id="rId11"/>
-    <p:sldId id="267" r:id="rId12"/>
-    <p:sldId id="268" r:id="rId13"/>
-    <p:sldId id="270" r:id="rId14"/>
-    <p:sldId id="271" r:id="rId15"/>
-    <p:sldId id="257" r:id="rId16"/>
-    <p:sldId id="259" r:id="rId17"/>
+    <p:sldId id="272" r:id="rId9"/>
+    <p:sldId id="265" r:id="rId10"/>
+    <p:sldId id="266" r:id="rId11"/>
+    <p:sldId id="269" r:id="rId12"/>
+    <p:sldId id="267" r:id="rId13"/>
+    <p:sldId id="268" r:id="rId14"/>
+    <p:sldId id="270" r:id="rId15"/>
+    <p:sldId id="271" r:id="rId16"/>
+    <p:sldId id="257" r:id="rId17"/>
+    <p:sldId id="259" r:id="rId18"/>
   </p:sldIdLst>
   <p:sldSz cx="12192000" cy="6858000"/>
   <p:notesSz cx="6858000" cy="9144000"/>
@@ -119,7 +123,1713 @@
       </a:defRPr>
     </a:lvl9pPr>
   </p:defaultTextStyle>
+  <p:extLst>
+    <p:ext uri="{EFAFB233-063F-42B5-8137-9DF3F51BA10A}">
+      <p15:sldGuideLst xmlns:p15="http://schemas.microsoft.com/office/powerpoint/2012/main"/>
+    </p:ext>
+  </p:extLst>
 </p:presentation>
+</file>
+
+<file path=ppt/notesMasters/notesMaster1.xml><?xml version="1.0" encoding="utf-8"?>
+<p:notesMaster xmlns:a="http://schemas.openxmlformats.org/drawingml/2006/main" xmlns:r="http://schemas.openxmlformats.org/officeDocument/2006/relationships" xmlns:p="http://schemas.openxmlformats.org/presentationml/2006/main">
+  <p:cSld>
+    <p:bg>
+      <p:bgRef idx="1001">
+        <a:schemeClr val="bg1"/>
+      </p:bgRef>
+    </p:bg>
+    <p:spTree>
+      <p:nvGrpSpPr>
+        <p:cNvPr id="1" name=""/>
+        <p:cNvGrpSpPr/>
+        <p:nvPr/>
+      </p:nvGrpSpPr>
+      <p:grpSpPr>
+        <a:xfrm>
+          <a:off x="0" y="0"/>
+          <a:ext cx="0" cy="0"/>
+          <a:chOff x="0" y="0"/>
+          <a:chExt cx="0" cy="0"/>
+        </a:xfrm>
+      </p:grpSpPr>
+      <p:sp>
+        <p:nvSpPr>
+          <p:cNvPr id="2" name="Tijdelijke aanduiding voor koptekst 1"/>
+          <p:cNvSpPr>
+            <a:spLocks noGrp="1"/>
+          </p:cNvSpPr>
+          <p:nvPr>
+            <p:ph type="hdr" sz="quarter"/>
+          </p:nvPr>
+        </p:nvSpPr>
+        <p:spPr>
+          <a:xfrm>
+            <a:off x="0" y="0"/>
+            <a:ext cx="2971800" cy="458788"/>
+          </a:xfrm>
+          <a:prstGeom prst="rect">
+            <a:avLst/>
+          </a:prstGeom>
+        </p:spPr>
+        <p:txBody>
+          <a:bodyPr vert="horz" lIns="91440" tIns="45720" rIns="91440" bIns="45720" rtlCol="0"/>
+          <a:lstStyle>
+            <a:lvl1pPr algn="l">
+              <a:defRPr sz="1200"/>
+            </a:lvl1pPr>
+          </a:lstStyle>
+          <a:p>
+            <a:endParaRPr lang="nl-BE"/>
+          </a:p>
+        </p:txBody>
+      </p:sp>
+      <p:sp>
+        <p:nvSpPr>
+          <p:cNvPr id="3" name="Tijdelijke aanduiding voor datum 2"/>
+          <p:cNvSpPr>
+            <a:spLocks noGrp="1"/>
+          </p:cNvSpPr>
+          <p:nvPr>
+            <p:ph type="dt" idx="1"/>
+          </p:nvPr>
+        </p:nvSpPr>
+        <p:spPr>
+          <a:xfrm>
+            <a:off x="3884613" y="0"/>
+            <a:ext cx="2971800" cy="458788"/>
+          </a:xfrm>
+          <a:prstGeom prst="rect">
+            <a:avLst/>
+          </a:prstGeom>
+        </p:spPr>
+        <p:txBody>
+          <a:bodyPr vert="horz" lIns="91440" tIns="45720" rIns="91440" bIns="45720" rtlCol="0"/>
+          <a:lstStyle>
+            <a:lvl1pPr algn="r">
+              <a:defRPr sz="1200"/>
+            </a:lvl1pPr>
+          </a:lstStyle>
+          <a:p>
+            <a:fld id="{A8889FDC-41A3-4644-BD6E-8BFE02C26762}" type="datetimeFigureOut">
+              <a:rPr lang="nl-BE" smtClean="0"/>
+              <a:t>20/04/2022</a:t>
+            </a:fld>
+            <a:endParaRPr lang="nl-BE"/>
+          </a:p>
+        </p:txBody>
+      </p:sp>
+      <p:sp>
+        <p:nvSpPr>
+          <p:cNvPr id="4" name="Tijdelijke aanduiding voor dia-afbeelding 3"/>
+          <p:cNvSpPr>
+            <a:spLocks noGrp="1" noRot="1" noChangeAspect="1"/>
+          </p:cNvSpPr>
+          <p:nvPr>
+            <p:ph type="sldImg" idx="2"/>
+          </p:nvPr>
+        </p:nvSpPr>
+        <p:spPr>
+          <a:xfrm>
+            <a:off x="685800" y="1143000"/>
+            <a:ext cx="5486400" cy="3086100"/>
+          </a:xfrm>
+          <a:prstGeom prst="rect">
+            <a:avLst/>
+          </a:prstGeom>
+          <a:noFill/>
+          <a:ln w="12700">
+            <a:solidFill>
+              <a:prstClr val="black"/>
+            </a:solidFill>
+          </a:ln>
+        </p:spPr>
+        <p:txBody>
+          <a:bodyPr vert="horz" lIns="91440" tIns="45720" rIns="91440" bIns="45720" rtlCol="0" anchor="ctr"/>
+          <a:lstStyle/>
+          <a:p>
+            <a:endParaRPr lang="nl-BE"/>
+          </a:p>
+        </p:txBody>
+      </p:sp>
+      <p:sp>
+        <p:nvSpPr>
+          <p:cNvPr id="5" name="Tijdelijke aanduiding voor notities 4"/>
+          <p:cNvSpPr>
+            <a:spLocks noGrp="1"/>
+          </p:cNvSpPr>
+          <p:nvPr>
+            <p:ph type="body" sz="quarter" idx="3"/>
+          </p:nvPr>
+        </p:nvSpPr>
+        <p:spPr>
+          <a:xfrm>
+            <a:off x="685800" y="4400550"/>
+            <a:ext cx="5486400" cy="3600450"/>
+          </a:xfrm>
+          <a:prstGeom prst="rect">
+            <a:avLst/>
+          </a:prstGeom>
+        </p:spPr>
+        <p:txBody>
+          <a:bodyPr vert="horz" lIns="91440" tIns="45720" rIns="91440" bIns="45720" rtlCol="0"/>
+          <a:lstStyle/>
+          <a:p>
+            <a:pPr lvl="0"/>
+            <a:r>
+              <a:rPr lang="nl-NL"/>
+              <a:t>Klikken om de tekststijl van het model te bewerken</a:t>
+            </a:r>
+          </a:p>
+          <a:p>
+            <a:pPr lvl="1"/>
+            <a:r>
+              <a:rPr lang="nl-NL"/>
+              <a:t>Tweede niveau</a:t>
+            </a:r>
+          </a:p>
+          <a:p>
+            <a:pPr lvl="2"/>
+            <a:r>
+              <a:rPr lang="nl-NL"/>
+              <a:t>Derde niveau</a:t>
+            </a:r>
+          </a:p>
+          <a:p>
+            <a:pPr lvl="3"/>
+            <a:r>
+              <a:rPr lang="nl-NL"/>
+              <a:t>Vierde niveau</a:t>
+            </a:r>
+          </a:p>
+          <a:p>
+            <a:pPr lvl="4"/>
+            <a:r>
+              <a:rPr lang="nl-NL"/>
+              <a:t>Vijfde niveau</a:t>
+            </a:r>
+            <a:endParaRPr lang="nl-BE"/>
+          </a:p>
+        </p:txBody>
+      </p:sp>
+      <p:sp>
+        <p:nvSpPr>
+          <p:cNvPr id="6" name="Tijdelijke aanduiding voor voettekst 5"/>
+          <p:cNvSpPr>
+            <a:spLocks noGrp="1"/>
+          </p:cNvSpPr>
+          <p:nvPr>
+            <p:ph type="ftr" sz="quarter" idx="4"/>
+          </p:nvPr>
+        </p:nvSpPr>
+        <p:spPr>
+          <a:xfrm>
+            <a:off x="0" y="8685213"/>
+            <a:ext cx="2971800" cy="458787"/>
+          </a:xfrm>
+          <a:prstGeom prst="rect">
+            <a:avLst/>
+          </a:prstGeom>
+        </p:spPr>
+        <p:txBody>
+          <a:bodyPr vert="horz" lIns="91440" tIns="45720" rIns="91440" bIns="45720" rtlCol="0" anchor="b"/>
+          <a:lstStyle>
+            <a:lvl1pPr algn="l">
+              <a:defRPr sz="1200"/>
+            </a:lvl1pPr>
+          </a:lstStyle>
+          <a:p>
+            <a:endParaRPr lang="nl-BE"/>
+          </a:p>
+        </p:txBody>
+      </p:sp>
+      <p:sp>
+        <p:nvSpPr>
+          <p:cNvPr id="7" name="Tijdelijke aanduiding voor dianummer 6"/>
+          <p:cNvSpPr>
+            <a:spLocks noGrp="1"/>
+          </p:cNvSpPr>
+          <p:nvPr>
+            <p:ph type="sldNum" sz="quarter" idx="5"/>
+          </p:nvPr>
+        </p:nvSpPr>
+        <p:spPr>
+          <a:xfrm>
+            <a:off x="3884613" y="8685213"/>
+            <a:ext cx="2971800" cy="458787"/>
+          </a:xfrm>
+          <a:prstGeom prst="rect">
+            <a:avLst/>
+          </a:prstGeom>
+        </p:spPr>
+        <p:txBody>
+          <a:bodyPr vert="horz" lIns="91440" tIns="45720" rIns="91440" bIns="45720" rtlCol="0" anchor="b"/>
+          <a:lstStyle>
+            <a:lvl1pPr algn="r">
+              <a:defRPr sz="1200"/>
+            </a:lvl1pPr>
+          </a:lstStyle>
+          <a:p>
+            <a:fld id="{8894BEB4-3771-4FFD-B587-3A26CA6C0614}" type="slidenum">
+              <a:rPr lang="nl-BE" smtClean="0"/>
+              <a:t>‹nr.›</a:t>
+            </a:fld>
+            <a:endParaRPr lang="nl-BE"/>
+          </a:p>
+        </p:txBody>
+      </p:sp>
+    </p:spTree>
+    <p:extLst>
+      <p:ext uri="{BB962C8B-B14F-4D97-AF65-F5344CB8AC3E}">
+        <p14:creationId xmlns:p14="http://schemas.microsoft.com/office/powerpoint/2010/main" val="3296482470"/>
+      </p:ext>
+    </p:extLst>
+  </p:cSld>
+  <p:clrMap bg1="lt1" tx1="dk1" bg2="lt2" tx2="dk2" accent1="accent1" accent2="accent2" accent3="accent3" accent4="accent4" accent5="accent5" accent6="accent6" hlink="hlink" folHlink="folHlink"/>
+  <p:notesStyle>
+    <a:lvl1pPr marL="0" algn="l" defTabSz="914400" rtl="0" eaLnBrk="1" latinLnBrk="0" hangingPunct="1">
+      <a:defRPr sz="1200" kern="1200">
+        <a:solidFill>
+          <a:schemeClr val="tx1"/>
+        </a:solidFill>
+        <a:latin typeface="+mn-lt"/>
+        <a:ea typeface="+mn-ea"/>
+        <a:cs typeface="+mn-cs"/>
+      </a:defRPr>
+    </a:lvl1pPr>
+    <a:lvl2pPr marL="457200" algn="l" defTabSz="914400" rtl="0" eaLnBrk="1" latinLnBrk="0" hangingPunct="1">
+      <a:defRPr sz="1200" kern="1200">
+        <a:solidFill>
+          <a:schemeClr val="tx1"/>
+        </a:solidFill>
+        <a:latin typeface="+mn-lt"/>
+        <a:ea typeface="+mn-ea"/>
+        <a:cs typeface="+mn-cs"/>
+      </a:defRPr>
+    </a:lvl2pPr>
+    <a:lvl3pPr marL="914400" algn="l" defTabSz="914400" rtl="0" eaLnBrk="1" latinLnBrk="0" hangingPunct="1">
+      <a:defRPr sz="1200" kern="1200">
+        <a:solidFill>
+          <a:schemeClr val="tx1"/>
+        </a:solidFill>
+        <a:latin typeface="+mn-lt"/>
+        <a:ea typeface="+mn-ea"/>
+        <a:cs typeface="+mn-cs"/>
+      </a:defRPr>
+    </a:lvl3pPr>
+    <a:lvl4pPr marL="1371600" algn="l" defTabSz="914400" rtl="0" eaLnBrk="1" latinLnBrk="0" hangingPunct="1">
+      <a:defRPr sz="1200" kern="1200">
+        <a:solidFill>
+          <a:schemeClr val="tx1"/>
+        </a:solidFill>
+        <a:latin typeface="+mn-lt"/>
+        <a:ea typeface="+mn-ea"/>
+        <a:cs typeface="+mn-cs"/>
+      </a:defRPr>
+    </a:lvl4pPr>
+    <a:lvl5pPr marL="1828800" algn="l" defTabSz="914400" rtl="0" eaLnBrk="1" latinLnBrk="0" hangingPunct="1">
+      <a:defRPr sz="1200" kern="1200">
+        <a:solidFill>
+          <a:schemeClr val="tx1"/>
+        </a:solidFill>
+        <a:latin typeface="+mn-lt"/>
+        <a:ea typeface="+mn-ea"/>
+        <a:cs typeface="+mn-cs"/>
+      </a:defRPr>
+    </a:lvl5pPr>
+    <a:lvl6pPr marL="2286000" algn="l" defTabSz="914400" rtl="0" eaLnBrk="1" latinLnBrk="0" hangingPunct="1">
+      <a:defRPr sz="1200" kern="1200">
+        <a:solidFill>
+          <a:schemeClr val="tx1"/>
+        </a:solidFill>
+        <a:latin typeface="+mn-lt"/>
+        <a:ea typeface="+mn-ea"/>
+        <a:cs typeface="+mn-cs"/>
+      </a:defRPr>
+    </a:lvl6pPr>
+    <a:lvl7pPr marL="2743200" algn="l" defTabSz="914400" rtl="0" eaLnBrk="1" latinLnBrk="0" hangingPunct="1">
+      <a:defRPr sz="1200" kern="1200">
+        <a:solidFill>
+          <a:schemeClr val="tx1"/>
+        </a:solidFill>
+        <a:latin typeface="+mn-lt"/>
+        <a:ea typeface="+mn-ea"/>
+        <a:cs typeface="+mn-cs"/>
+      </a:defRPr>
+    </a:lvl7pPr>
+    <a:lvl8pPr marL="3200400" algn="l" defTabSz="914400" rtl="0" eaLnBrk="1" latinLnBrk="0" hangingPunct="1">
+      <a:defRPr sz="1200" kern="1200">
+        <a:solidFill>
+          <a:schemeClr val="tx1"/>
+        </a:solidFill>
+        <a:latin typeface="+mn-lt"/>
+        <a:ea typeface="+mn-ea"/>
+        <a:cs typeface="+mn-cs"/>
+      </a:defRPr>
+    </a:lvl8pPr>
+    <a:lvl9pPr marL="3657600" algn="l" defTabSz="914400" rtl="0" eaLnBrk="1" latinLnBrk="0" hangingPunct="1">
+      <a:defRPr sz="1200" kern="1200">
+        <a:solidFill>
+          <a:schemeClr val="tx1"/>
+        </a:solidFill>
+        <a:latin typeface="+mn-lt"/>
+        <a:ea typeface="+mn-ea"/>
+        <a:cs typeface="+mn-cs"/>
+      </a:defRPr>
+    </a:lvl9pPr>
+  </p:notesStyle>
+</p:notesMaster>
+</file>
+
+<file path=ppt/notesSlides/notesSlide1.xml><?xml version="1.0" encoding="utf-8"?>
+<p:notes xmlns:a="http://schemas.openxmlformats.org/drawingml/2006/main" xmlns:r="http://schemas.openxmlformats.org/officeDocument/2006/relationships" xmlns:p="http://schemas.openxmlformats.org/presentationml/2006/main">
+  <p:cSld>
+    <p:spTree>
+      <p:nvGrpSpPr>
+        <p:cNvPr id="1" name=""/>
+        <p:cNvGrpSpPr/>
+        <p:nvPr/>
+      </p:nvGrpSpPr>
+      <p:grpSpPr>
+        <a:xfrm>
+          <a:off x="0" y="0"/>
+          <a:ext cx="0" cy="0"/>
+          <a:chOff x="0" y="0"/>
+          <a:chExt cx="0" cy="0"/>
+        </a:xfrm>
+      </p:grpSpPr>
+      <p:sp>
+        <p:nvSpPr>
+          <p:cNvPr id="2" name="Tijdelijke aanduiding voor dia-afbeelding 1"/>
+          <p:cNvSpPr>
+            <a:spLocks noGrp="1" noRot="1" noChangeAspect="1"/>
+          </p:cNvSpPr>
+          <p:nvPr>
+            <p:ph type="sldImg"/>
+          </p:nvPr>
+        </p:nvSpPr>
+        <p:spPr/>
+      </p:sp>
+      <p:sp>
+        <p:nvSpPr>
+          <p:cNvPr id="3" name="Tijdelijke aanduiding voor notities 2"/>
+          <p:cNvSpPr>
+            <a:spLocks noGrp="1"/>
+          </p:cNvSpPr>
+          <p:nvPr>
+            <p:ph type="body" idx="1"/>
+          </p:nvPr>
+        </p:nvSpPr>
+        <p:spPr/>
+        <p:txBody>
+          <a:bodyPr/>
+          <a:lstStyle/>
+          <a:p>
+            <a:r>
+              <a:rPr lang="nl-NL" dirty="0"/>
+              <a:t>Goeiemorgen/middag/avond</a:t>
+            </a:r>
+          </a:p>
+          <a:p>
+            <a:r>
+              <a:rPr lang="nl-NL" dirty="0"/>
+              <a:t>Laatste jaar student afstudeer richting applicatie ontwikkeling</a:t>
+            </a:r>
+          </a:p>
+          <a:p>
+            <a:r>
+              <a:rPr lang="nl-NL" dirty="0"/>
+              <a:t>Stageopdracht connector module</a:t>
+            </a:r>
+            <a:endParaRPr lang="nl-BE" dirty="0"/>
+          </a:p>
+        </p:txBody>
+      </p:sp>
+      <p:sp>
+        <p:nvSpPr>
+          <p:cNvPr id="4" name="Tijdelijke aanduiding voor dianummer 3"/>
+          <p:cNvSpPr>
+            <a:spLocks noGrp="1"/>
+          </p:cNvSpPr>
+          <p:nvPr>
+            <p:ph type="sldNum" sz="quarter" idx="5"/>
+          </p:nvPr>
+        </p:nvSpPr>
+        <p:spPr/>
+        <p:txBody>
+          <a:bodyPr/>
+          <a:lstStyle/>
+          <a:p>
+            <a:fld id="{8894BEB4-3771-4FFD-B587-3A26CA6C0614}" type="slidenum">
+              <a:rPr lang="nl-BE" smtClean="0"/>
+              <a:t>1</a:t>
+            </a:fld>
+            <a:endParaRPr lang="nl-BE"/>
+          </a:p>
+        </p:txBody>
+      </p:sp>
+    </p:spTree>
+    <p:extLst>
+      <p:ext uri="{BB962C8B-B14F-4D97-AF65-F5344CB8AC3E}">
+        <p14:creationId xmlns:p14="http://schemas.microsoft.com/office/powerpoint/2010/main" val="3140102606"/>
+      </p:ext>
+    </p:extLst>
+  </p:cSld>
+  <p:clrMapOvr>
+    <a:masterClrMapping/>
+  </p:clrMapOvr>
+</p:notes>
+</file>
+
+<file path=ppt/notesSlides/notesSlide10.xml><?xml version="1.0" encoding="utf-8"?>
+<p:notes xmlns:a="http://schemas.openxmlformats.org/drawingml/2006/main" xmlns:r="http://schemas.openxmlformats.org/officeDocument/2006/relationships" xmlns:p="http://schemas.openxmlformats.org/presentationml/2006/main">
+  <p:cSld>
+    <p:spTree>
+      <p:nvGrpSpPr>
+        <p:cNvPr id="1" name=""/>
+        <p:cNvGrpSpPr/>
+        <p:nvPr/>
+      </p:nvGrpSpPr>
+      <p:grpSpPr>
+        <a:xfrm>
+          <a:off x="0" y="0"/>
+          <a:ext cx="0" cy="0"/>
+          <a:chOff x="0" y="0"/>
+          <a:chExt cx="0" cy="0"/>
+        </a:xfrm>
+      </p:grpSpPr>
+      <p:sp>
+        <p:nvSpPr>
+          <p:cNvPr id="2" name="Tijdelijke aanduiding voor dia-afbeelding 1"/>
+          <p:cNvSpPr>
+            <a:spLocks noGrp="1" noRot="1" noChangeAspect="1"/>
+          </p:cNvSpPr>
+          <p:nvPr>
+            <p:ph type="sldImg"/>
+          </p:nvPr>
+        </p:nvSpPr>
+        <p:spPr/>
+      </p:sp>
+      <p:sp>
+        <p:nvSpPr>
+          <p:cNvPr id="3" name="Tijdelijke aanduiding voor notities 2"/>
+          <p:cNvSpPr>
+            <a:spLocks noGrp="1"/>
+          </p:cNvSpPr>
+          <p:nvPr>
+            <p:ph type="body" idx="1"/>
+          </p:nvPr>
+        </p:nvSpPr>
+        <p:spPr/>
+        <p:txBody>
+          <a:bodyPr/>
+          <a:lstStyle/>
+          <a:p>
+            <a:r>
+              <a:rPr lang="nl-BE" dirty="0"/>
+              <a:t>Demo of screenshots met </a:t>
+            </a:r>
+            <a:r>
+              <a:rPr lang="nl-BE" dirty="0" err="1"/>
+              <a:t>PoC</a:t>
+            </a:r>
+            <a:endParaRPr lang="nl-BE" dirty="0"/>
+          </a:p>
+        </p:txBody>
+      </p:sp>
+      <p:sp>
+        <p:nvSpPr>
+          <p:cNvPr id="4" name="Tijdelijke aanduiding voor dianummer 3"/>
+          <p:cNvSpPr>
+            <a:spLocks noGrp="1"/>
+          </p:cNvSpPr>
+          <p:nvPr>
+            <p:ph type="sldNum" sz="quarter" idx="5"/>
+          </p:nvPr>
+        </p:nvSpPr>
+        <p:spPr/>
+        <p:txBody>
+          <a:bodyPr/>
+          <a:lstStyle/>
+          <a:p>
+            <a:fld id="{8894BEB4-3771-4FFD-B587-3A26CA6C0614}" type="slidenum">
+              <a:rPr lang="nl-BE" smtClean="0"/>
+              <a:t>11</a:t>
+            </a:fld>
+            <a:endParaRPr lang="nl-BE"/>
+          </a:p>
+        </p:txBody>
+      </p:sp>
+    </p:spTree>
+    <p:extLst>
+      <p:ext uri="{BB962C8B-B14F-4D97-AF65-F5344CB8AC3E}">
+        <p14:creationId xmlns:p14="http://schemas.microsoft.com/office/powerpoint/2010/main" val="3138863542"/>
+      </p:ext>
+    </p:extLst>
+  </p:cSld>
+  <p:clrMapOvr>
+    <a:masterClrMapping/>
+  </p:clrMapOvr>
+</p:notes>
+</file>
+
+<file path=ppt/notesSlides/notesSlide11.xml><?xml version="1.0" encoding="utf-8"?>
+<p:notes xmlns:a="http://schemas.openxmlformats.org/drawingml/2006/main" xmlns:r="http://schemas.openxmlformats.org/officeDocument/2006/relationships" xmlns:p="http://schemas.openxmlformats.org/presentationml/2006/main">
+  <p:cSld>
+    <p:spTree>
+      <p:nvGrpSpPr>
+        <p:cNvPr id="1" name=""/>
+        <p:cNvGrpSpPr/>
+        <p:nvPr/>
+      </p:nvGrpSpPr>
+      <p:grpSpPr>
+        <a:xfrm>
+          <a:off x="0" y="0"/>
+          <a:ext cx="0" cy="0"/>
+          <a:chOff x="0" y="0"/>
+          <a:chExt cx="0" cy="0"/>
+        </a:xfrm>
+      </p:grpSpPr>
+      <p:sp>
+        <p:nvSpPr>
+          <p:cNvPr id="2" name="Tijdelijke aanduiding voor dia-afbeelding 1"/>
+          <p:cNvSpPr>
+            <a:spLocks noGrp="1" noRot="1" noChangeAspect="1"/>
+          </p:cNvSpPr>
+          <p:nvPr>
+            <p:ph type="sldImg"/>
+          </p:nvPr>
+        </p:nvSpPr>
+        <p:spPr/>
+      </p:sp>
+      <p:sp>
+        <p:nvSpPr>
+          <p:cNvPr id="3" name="Tijdelijke aanduiding voor notities 2"/>
+          <p:cNvSpPr>
+            <a:spLocks noGrp="1"/>
+          </p:cNvSpPr>
+          <p:nvPr>
+            <p:ph type="body" idx="1"/>
+          </p:nvPr>
+        </p:nvSpPr>
+        <p:spPr/>
+        <p:txBody>
+          <a:bodyPr/>
+          <a:lstStyle/>
+          <a:p>
+            <a:r>
+              <a:rPr lang="nl-BE" dirty="0"/>
+              <a:t>Welke is beter voor dit project? </a:t>
+            </a:r>
+          </a:p>
+        </p:txBody>
+      </p:sp>
+      <p:sp>
+        <p:nvSpPr>
+          <p:cNvPr id="4" name="Tijdelijke aanduiding voor dianummer 3"/>
+          <p:cNvSpPr>
+            <a:spLocks noGrp="1"/>
+          </p:cNvSpPr>
+          <p:nvPr>
+            <p:ph type="sldNum" sz="quarter" idx="5"/>
+          </p:nvPr>
+        </p:nvSpPr>
+        <p:spPr/>
+        <p:txBody>
+          <a:bodyPr/>
+          <a:lstStyle/>
+          <a:p>
+            <a:fld id="{8894BEB4-3771-4FFD-B587-3A26CA6C0614}" type="slidenum">
+              <a:rPr lang="nl-BE" smtClean="0"/>
+              <a:t>14</a:t>
+            </a:fld>
+            <a:endParaRPr lang="nl-BE"/>
+          </a:p>
+        </p:txBody>
+      </p:sp>
+    </p:spTree>
+    <p:extLst>
+      <p:ext uri="{BB962C8B-B14F-4D97-AF65-F5344CB8AC3E}">
+        <p14:creationId xmlns:p14="http://schemas.microsoft.com/office/powerpoint/2010/main" val="3894644701"/>
+      </p:ext>
+    </p:extLst>
+  </p:cSld>
+  <p:clrMapOvr>
+    <a:masterClrMapping/>
+  </p:clrMapOvr>
+</p:notes>
+</file>
+
+<file path=ppt/notesSlides/notesSlide12.xml><?xml version="1.0" encoding="utf-8"?>
+<p:notes xmlns:a="http://schemas.openxmlformats.org/drawingml/2006/main" xmlns:r="http://schemas.openxmlformats.org/officeDocument/2006/relationships" xmlns:p="http://schemas.openxmlformats.org/presentationml/2006/main">
+  <p:cSld>
+    <p:spTree>
+      <p:nvGrpSpPr>
+        <p:cNvPr id="1" name=""/>
+        <p:cNvGrpSpPr/>
+        <p:nvPr/>
+      </p:nvGrpSpPr>
+      <p:grpSpPr>
+        <a:xfrm>
+          <a:off x="0" y="0"/>
+          <a:ext cx="0" cy="0"/>
+          <a:chOff x="0" y="0"/>
+          <a:chExt cx="0" cy="0"/>
+        </a:xfrm>
+      </p:grpSpPr>
+      <p:sp>
+        <p:nvSpPr>
+          <p:cNvPr id="2" name="Tijdelijke aanduiding voor dia-afbeelding 1"/>
+          <p:cNvSpPr>
+            <a:spLocks noGrp="1" noRot="1" noChangeAspect="1"/>
+          </p:cNvSpPr>
+          <p:nvPr>
+            <p:ph type="sldImg"/>
+          </p:nvPr>
+        </p:nvSpPr>
+        <p:spPr/>
+      </p:sp>
+      <p:sp>
+        <p:nvSpPr>
+          <p:cNvPr id="3" name="Tijdelijke aanduiding voor notities 2"/>
+          <p:cNvSpPr>
+            <a:spLocks noGrp="1"/>
+          </p:cNvSpPr>
+          <p:nvPr>
+            <p:ph type="body" idx="1"/>
+          </p:nvPr>
+        </p:nvSpPr>
+        <p:spPr/>
+        <p:txBody>
+          <a:bodyPr/>
+          <a:lstStyle/>
+          <a:p>
+            <a:r>
+              <a:rPr lang="nl-BE" dirty="0"/>
+              <a:t>Interessante stage omdat ik voor de eerste keer met een heel groot project heb moeten werken. </a:t>
+            </a:r>
+          </a:p>
+          <a:p>
+            <a:r>
+              <a:rPr lang="nl-BE" dirty="0"/>
+              <a:t>Veel collega’s die me ondersteunde, Walid, Kris, Joren, Bart</a:t>
+            </a:r>
+          </a:p>
+          <a:p>
+            <a:r>
+              <a:rPr lang="nl-BE" dirty="0"/>
+              <a:t>Uitdagende opdracht met veel nieuwe technologieën.</a:t>
+            </a:r>
+          </a:p>
+          <a:p>
+            <a:endParaRPr lang="nl-BE" dirty="0"/>
+          </a:p>
+        </p:txBody>
+      </p:sp>
+      <p:sp>
+        <p:nvSpPr>
+          <p:cNvPr id="4" name="Tijdelijke aanduiding voor dianummer 3"/>
+          <p:cNvSpPr>
+            <a:spLocks noGrp="1"/>
+          </p:cNvSpPr>
+          <p:nvPr>
+            <p:ph type="sldNum" sz="quarter" idx="5"/>
+          </p:nvPr>
+        </p:nvSpPr>
+        <p:spPr/>
+        <p:txBody>
+          <a:bodyPr/>
+          <a:lstStyle/>
+          <a:p>
+            <a:fld id="{8894BEB4-3771-4FFD-B587-3A26CA6C0614}" type="slidenum">
+              <a:rPr lang="nl-BE" smtClean="0"/>
+              <a:t>15</a:t>
+            </a:fld>
+            <a:endParaRPr lang="nl-BE"/>
+          </a:p>
+        </p:txBody>
+      </p:sp>
+    </p:spTree>
+    <p:extLst>
+      <p:ext uri="{BB962C8B-B14F-4D97-AF65-F5344CB8AC3E}">
+        <p14:creationId xmlns:p14="http://schemas.microsoft.com/office/powerpoint/2010/main" val="3266282735"/>
+      </p:ext>
+    </p:extLst>
+  </p:cSld>
+  <p:clrMapOvr>
+    <a:masterClrMapping/>
+  </p:clrMapOvr>
+</p:notes>
+</file>
+
+<file path=ppt/notesSlides/notesSlide2.xml><?xml version="1.0" encoding="utf-8"?>
+<p:notes xmlns:a="http://schemas.openxmlformats.org/drawingml/2006/main" xmlns:r="http://schemas.openxmlformats.org/officeDocument/2006/relationships" xmlns:p="http://schemas.openxmlformats.org/presentationml/2006/main">
+  <p:cSld>
+    <p:spTree>
+      <p:nvGrpSpPr>
+        <p:cNvPr id="1" name=""/>
+        <p:cNvGrpSpPr/>
+        <p:nvPr/>
+      </p:nvGrpSpPr>
+      <p:grpSpPr>
+        <a:xfrm>
+          <a:off x="0" y="0"/>
+          <a:ext cx="0" cy="0"/>
+          <a:chOff x="0" y="0"/>
+          <a:chExt cx="0" cy="0"/>
+        </a:xfrm>
+      </p:grpSpPr>
+      <p:sp>
+        <p:nvSpPr>
+          <p:cNvPr id="2" name="Tijdelijke aanduiding voor dia-afbeelding 1"/>
+          <p:cNvSpPr>
+            <a:spLocks noGrp="1" noRot="1" noChangeAspect="1"/>
+          </p:cNvSpPr>
+          <p:nvPr>
+            <p:ph type="sldImg"/>
+          </p:nvPr>
+        </p:nvSpPr>
+        <p:spPr/>
+      </p:sp>
+      <p:sp>
+        <p:nvSpPr>
+          <p:cNvPr id="3" name="Tijdelijke aanduiding voor notities 2"/>
+          <p:cNvSpPr>
+            <a:spLocks noGrp="1"/>
+          </p:cNvSpPr>
+          <p:nvPr>
+            <p:ph type="body" idx="1"/>
+          </p:nvPr>
+        </p:nvSpPr>
+        <p:spPr/>
+        <p:txBody>
+          <a:bodyPr/>
+          <a:lstStyle/>
+          <a:p>
+            <a:r>
+              <a:rPr lang="nl-BE" dirty="0"/>
+              <a:t>Kort de inhoud overlopen, bedrijfsvoorstelling hebben we al achter de rug paar dingen aanhalen die op mijn stage van toepassing waren.</a:t>
+            </a:r>
+          </a:p>
+          <a:p>
+            <a:r>
+              <a:rPr lang="nl-BE" dirty="0"/>
+              <a:t>Probleem stelling van het project</a:t>
+            </a:r>
+          </a:p>
+          <a:p>
+            <a:r>
+              <a:rPr lang="nl-BE" dirty="0"/>
+              <a:t>Enkele technische aspecten die ik heb bijgeleerd</a:t>
+            </a:r>
+          </a:p>
+          <a:p>
+            <a:r>
+              <a:rPr lang="nl-BE" dirty="0"/>
+              <a:t>Hoe ik het eind doel zag</a:t>
+            </a:r>
+          </a:p>
+          <a:p>
+            <a:r>
+              <a:rPr lang="nl-BE" dirty="0"/>
+              <a:t>Demo</a:t>
+            </a:r>
+          </a:p>
+          <a:p>
+            <a:r>
+              <a:rPr lang="nl-BE" dirty="0"/>
+              <a:t>Onderzoek met conclusie </a:t>
+            </a:r>
+          </a:p>
+          <a:p>
+            <a:r>
+              <a:rPr lang="nl-BE" dirty="0"/>
+              <a:t>Laatste een reflectie over het stageverloop</a:t>
+            </a:r>
+          </a:p>
+        </p:txBody>
+      </p:sp>
+      <p:sp>
+        <p:nvSpPr>
+          <p:cNvPr id="4" name="Tijdelijke aanduiding voor dianummer 3"/>
+          <p:cNvSpPr>
+            <a:spLocks noGrp="1"/>
+          </p:cNvSpPr>
+          <p:nvPr>
+            <p:ph type="sldNum" sz="quarter" idx="5"/>
+          </p:nvPr>
+        </p:nvSpPr>
+        <p:spPr/>
+        <p:txBody>
+          <a:bodyPr/>
+          <a:lstStyle/>
+          <a:p>
+            <a:fld id="{8894BEB4-3771-4FFD-B587-3A26CA6C0614}" type="slidenum">
+              <a:rPr lang="nl-BE" smtClean="0"/>
+              <a:t>2</a:t>
+            </a:fld>
+            <a:endParaRPr lang="nl-BE"/>
+          </a:p>
+        </p:txBody>
+      </p:sp>
+    </p:spTree>
+    <p:extLst>
+      <p:ext uri="{BB962C8B-B14F-4D97-AF65-F5344CB8AC3E}">
+        <p14:creationId xmlns:p14="http://schemas.microsoft.com/office/powerpoint/2010/main" val="2975846731"/>
+      </p:ext>
+    </p:extLst>
+  </p:cSld>
+  <p:clrMapOvr>
+    <a:masterClrMapping/>
+  </p:clrMapOvr>
+</p:notes>
+</file>
+
+<file path=ppt/notesSlides/notesSlide3.xml><?xml version="1.0" encoding="utf-8"?>
+<p:notes xmlns:a="http://schemas.openxmlformats.org/drawingml/2006/main" xmlns:r="http://schemas.openxmlformats.org/officeDocument/2006/relationships" xmlns:p="http://schemas.openxmlformats.org/presentationml/2006/main">
+  <p:cSld>
+    <p:spTree>
+      <p:nvGrpSpPr>
+        <p:cNvPr id="1" name=""/>
+        <p:cNvGrpSpPr/>
+        <p:nvPr/>
+      </p:nvGrpSpPr>
+      <p:grpSpPr>
+        <a:xfrm>
+          <a:off x="0" y="0"/>
+          <a:ext cx="0" cy="0"/>
+          <a:chOff x="0" y="0"/>
+          <a:chExt cx="0" cy="0"/>
+        </a:xfrm>
+      </p:grpSpPr>
+      <p:sp>
+        <p:nvSpPr>
+          <p:cNvPr id="2" name="Tijdelijke aanduiding voor dia-afbeelding 1"/>
+          <p:cNvSpPr>
+            <a:spLocks noGrp="1" noRot="1" noChangeAspect="1"/>
+          </p:cNvSpPr>
+          <p:nvPr>
+            <p:ph type="sldImg"/>
+          </p:nvPr>
+        </p:nvSpPr>
+        <p:spPr/>
+      </p:sp>
+      <p:sp>
+        <p:nvSpPr>
+          <p:cNvPr id="3" name="Tijdelijke aanduiding voor notities 2"/>
+          <p:cNvSpPr>
+            <a:spLocks noGrp="1"/>
+          </p:cNvSpPr>
+          <p:nvPr>
+            <p:ph type="body" idx="1"/>
+          </p:nvPr>
+        </p:nvSpPr>
+        <p:spPr/>
+        <p:txBody>
+          <a:bodyPr/>
+          <a:lstStyle/>
+          <a:p>
+            <a:r>
+              <a:rPr lang="nl-BE" dirty="0"/>
+              <a:t>Unique dat ik nauw mocht samenwerken met Walid vanuit Tunesië als </a:t>
+            </a:r>
+            <a:r>
+              <a:rPr lang="nl-BE" dirty="0" err="1"/>
+              <a:t>nearshore</a:t>
+            </a:r>
+            <a:r>
+              <a:rPr lang="nl-BE" dirty="0"/>
+              <a:t> werknemer</a:t>
+            </a:r>
+          </a:p>
+        </p:txBody>
+      </p:sp>
+      <p:sp>
+        <p:nvSpPr>
+          <p:cNvPr id="4" name="Tijdelijke aanduiding voor dianummer 3"/>
+          <p:cNvSpPr>
+            <a:spLocks noGrp="1"/>
+          </p:cNvSpPr>
+          <p:nvPr>
+            <p:ph type="sldNum" sz="quarter" idx="5"/>
+          </p:nvPr>
+        </p:nvSpPr>
+        <p:spPr/>
+        <p:txBody>
+          <a:bodyPr/>
+          <a:lstStyle/>
+          <a:p>
+            <a:fld id="{8894BEB4-3771-4FFD-B587-3A26CA6C0614}" type="slidenum">
+              <a:rPr lang="nl-BE" smtClean="0"/>
+              <a:t>3</a:t>
+            </a:fld>
+            <a:endParaRPr lang="nl-BE"/>
+          </a:p>
+        </p:txBody>
+      </p:sp>
+    </p:spTree>
+    <p:extLst>
+      <p:ext uri="{BB962C8B-B14F-4D97-AF65-F5344CB8AC3E}">
+        <p14:creationId xmlns:p14="http://schemas.microsoft.com/office/powerpoint/2010/main" val="293825651"/>
+      </p:ext>
+    </p:extLst>
+  </p:cSld>
+  <p:clrMapOvr>
+    <a:masterClrMapping/>
+  </p:clrMapOvr>
+</p:notes>
+</file>
+
+<file path=ppt/notesSlides/notesSlide4.xml><?xml version="1.0" encoding="utf-8"?>
+<p:notes xmlns:a="http://schemas.openxmlformats.org/drawingml/2006/main" xmlns:r="http://schemas.openxmlformats.org/officeDocument/2006/relationships" xmlns:p="http://schemas.openxmlformats.org/presentationml/2006/main">
+  <p:cSld>
+    <p:spTree>
+      <p:nvGrpSpPr>
+        <p:cNvPr id="1" name=""/>
+        <p:cNvGrpSpPr/>
+        <p:nvPr/>
+      </p:nvGrpSpPr>
+      <p:grpSpPr>
+        <a:xfrm>
+          <a:off x="0" y="0"/>
+          <a:ext cx="0" cy="0"/>
+          <a:chOff x="0" y="0"/>
+          <a:chExt cx="0" cy="0"/>
+        </a:xfrm>
+      </p:grpSpPr>
+      <p:sp>
+        <p:nvSpPr>
+          <p:cNvPr id="2" name="Tijdelijke aanduiding voor dia-afbeelding 1"/>
+          <p:cNvSpPr>
+            <a:spLocks noGrp="1" noRot="1" noChangeAspect="1"/>
+          </p:cNvSpPr>
+          <p:nvPr>
+            <p:ph type="sldImg"/>
+          </p:nvPr>
+        </p:nvSpPr>
+        <p:spPr/>
+      </p:sp>
+      <p:sp>
+        <p:nvSpPr>
+          <p:cNvPr id="3" name="Tijdelijke aanduiding voor notities 2"/>
+          <p:cNvSpPr>
+            <a:spLocks noGrp="1"/>
+          </p:cNvSpPr>
+          <p:nvPr>
+            <p:ph type="body" idx="1"/>
+          </p:nvPr>
+        </p:nvSpPr>
+        <p:spPr/>
+        <p:txBody>
+          <a:bodyPr/>
+          <a:lstStyle/>
+          <a:p>
+            <a:r>
+              <a:rPr lang="nl-BE" dirty="0"/>
+              <a:t>Acerta werkt met het HR programma Arno, zeer krachtig maar loopt achter in het huidige digitale landschap.</a:t>
+            </a:r>
+          </a:p>
+          <a:p>
+            <a:r>
+              <a:rPr lang="nl-BE" dirty="0"/>
+              <a:t>Niet altijd evident om nieuwe features toe te voegen.</a:t>
+            </a:r>
+          </a:p>
+          <a:p>
+            <a:r>
+              <a:rPr lang="nl-BE" dirty="0"/>
+              <a:t>Mpleo ander HR die zijn API deelt met anderen mits een overeenkomst.</a:t>
+            </a:r>
+          </a:p>
+          <a:p>
+            <a:r>
+              <a:rPr lang="nl-BE" dirty="0"/>
+              <a:t>Hiervoor moet de Connector module gemaakt worden.</a:t>
+            </a:r>
+          </a:p>
+          <a:p>
+            <a:r>
+              <a:rPr lang="nl-BE" dirty="0"/>
+              <a:t>Data van Mpleo kan dan gesynkroniseerd worden met de data van Arno.</a:t>
+            </a:r>
+          </a:p>
+          <a:p>
+            <a:r>
+              <a:rPr lang="nl-BE" dirty="0"/>
+              <a:t>Vorig jaar heeft een andere stagiair een mooie </a:t>
+            </a:r>
+            <a:r>
+              <a:rPr lang="nl-BE" dirty="0" err="1"/>
+              <a:t>PoC</a:t>
+            </a:r>
+            <a:r>
+              <a:rPr lang="nl-BE" dirty="0"/>
+              <a:t> front-end gemaakt zodat de gebruikers van Arno makkelijker kunnen werken ermee.</a:t>
+            </a:r>
+          </a:p>
+          <a:p>
+            <a:r>
+              <a:rPr lang="nl-BE" dirty="0"/>
+              <a:t>Graag zouden de nieuwe functies hier ook in verwerkt worden.</a:t>
+            </a:r>
+          </a:p>
+        </p:txBody>
+      </p:sp>
+      <p:sp>
+        <p:nvSpPr>
+          <p:cNvPr id="4" name="Tijdelijke aanduiding voor dianummer 3"/>
+          <p:cNvSpPr>
+            <a:spLocks noGrp="1"/>
+          </p:cNvSpPr>
+          <p:nvPr>
+            <p:ph type="sldNum" sz="quarter" idx="5"/>
+          </p:nvPr>
+        </p:nvSpPr>
+        <p:spPr/>
+        <p:txBody>
+          <a:bodyPr/>
+          <a:lstStyle/>
+          <a:p>
+            <a:fld id="{8894BEB4-3771-4FFD-B587-3A26CA6C0614}" type="slidenum">
+              <a:rPr lang="nl-BE" smtClean="0"/>
+              <a:t>4</a:t>
+            </a:fld>
+            <a:endParaRPr lang="nl-BE"/>
+          </a:p>
+        </p:txBody>
+      </p:sp>
+    </p:spTree>
+    <p:extLst>
+      <p:ext uri="{BB962C8B-B14F-4D97-AF65-F5344CB8AC3E}">
+        <p14:creationId xmlns:p14="http://schemas.microsoft.com/office/powerpoint/2010/main" val="3666486764"/>
+      </p:ext>
+    </p:extLst>
+  </p:cSld>
+  <p:clrMapOvr>
+    <a:masterClrMapping/>
+  </p:clrMapOvr>
+</p:notes>
+</file>
+
+<file path=ppt/notesSlides/notesSlide5.xml><?xml version="1.0" encoding="utf-8"?>
+<p:notes xmlns:a="http://schemas.openxmlformats.org/drawingml/2006/main" xmlns:r="http://schemas.openxmlformats.org/officeDocument/2006/relationships" xmlns:p="http://schemas.openxmlformats.org/presentationml/2006/main">
+  <p:cSld>
+    <p:spTree>
+      <p:nvGrpSpPr>
+        <p:cNvPr id="1" name=""/>
+        <p:cNvGrpSpPr/>
+        <p:nvPr/>
+      </p:nvGrpSpPr>
+      <p:grpSpPr>
+        <a:xfrm>
+          <a:off x="0" y="0"/>
+          <a:ext cx="0" cy="0"/>
+          <a:chOff x="0" y="0"/>
+          <a:chExt cx="0" cy="0"/>
+        </a:xfrm>
+      </p:grpSpPr>
+      <p:sp>
+        <p:nvSpPr>
+          <p:cNvPr id="2" name="Tijdelijke aanduiding voor dia-afbeelding 1"/>
+          <p:cNvSpPr>
+            <a:spLocks noGrp="1" noRot="1" noChangeAspect="1"/>
+          </p:cNvSpPr>
+          <p:nvPr>
+            <p:ph type="sldImg"/>
+          </p:nvPr>
+        </p:nvSpPr>
+        <p:spPr/>
+      </p:sp>
+      <p:sp>
+        <p:nvSpPr>
+          <p:cNvPr id="3" name="Tijdelijke aanduiding voor notities 2"/>
+          <p:cNvSpPr>
+            <a:spLocks noGrp="1"/>
+          </p:cNvSpPr>
+          <p:nvPr>
+            <p:ph type="body" idx="1"/>
+          </p:nvPr>
+        </p:nvSpPr>
+        <p:spPr/>
+        <p:txBody>
+          <a:bodyPr/>
+          <a:lstStyle/>
+          <a:p>
+            <a:r>
+              <a:rPr lang="nl-BE" dirty="0"/>
+              <a:t>Enkele technische aspecten waarmee ik in contact ben gekomen tijdens de stage.</a:t>
+            </a:r>
+          </a:p>
+          <a:p>
+            <a:r>
+              <a:rPr lang="nl-BE" dirty="0"/>
+              <a:t>Natuurlijk .NET alle code die ik heb geschreven was in .NET.</a:t>
+            </a:r>
+          </a:p>
+          <a:p>
+            <a:r>
+              <a:rPr lang="nl-BE" dirty="0"/>
+              <a:t>Ik heb leren werken met het CQRS pattern, dit houd in dat er met </a:t>
+            </a:r>
+            <a:r>
+              <a:rPr lang="nl-BE" dirty="0" err="1"/>
+              <a:t>commands</a:t>
+            </a:r>
+            <a:r>
+              <a:rPr lang="nl-BE" dirty="0"/>
+              <a:t> en </a:t>
+            </a:r>
+            <a:r>
+              <a:rPr lang="nl-BE" dirty="0" err="1"/>
+              <a:t>queries</a:t>
+            </a:r>
+            <a:r>
+              <a:rPr lang="nl-BE" dirty="0"/>
+              <a:t> </a:t>
+            </a:r>
+            <a:r>
+              <a:rPr lang="nl-BE" dirty="0" err="1"/>
+              <a:t>gewertk</a:t>
+            </a:r>
+            <a:r>
+              <a:rPr lang="nl-BE" dirty="0"/>
+              <a:t> wordt om data op te halen uit Arno en weg te schrijven in Arno</a:t>
+            </a:r>
+          </a:p>
+          <a:p>
+            <a:r>
+              <a:rPr lang="nl-BE" dirty="0" err="1"/>
+              <a:t>Nuget</a:t>
+            </a:r>
+            <a:r>
+              <a:rPr lang="nl-BE" dirty="0"/>
+              <a:t> package </a:t>
+            </a:r>
+            <a:r>
+              <a:rPr lang="nl-BE" dirty="0" err="1"/>
+              <a:t>Automapper</a:t>
+            </a:r>
+            <a:r>
+              <a:rPr lang="nl-BE" dirty="0"/>
+              <a:t> omdat de data die uit Arno komt niet zomaar om te zetten is naar een standaard formaat.</a:t>
+            </a:r>
+          </a:p>
+          <a:p>
+            <a:r>
+              <a:rPr lang="nl-BE" dirty="0"/>
+              <a:t>Er is ook beslist om te werken met Azure API management om de Mpleo API door te leiden.</a:t>
+            </a:r>
+          </a:p>
+          <a:p>
+            <a:r>
+              <a:rPr lang="nl-BE" dirty="0"/>
+              <a:t>Dit maakt het makkelijker om het project te </a:t>
+            </a:r>
+            <a:r>
+              <a:rPr lang="nl-BE" dirty="0" err="1"/>
+              <a:t>scalen</a:t>
+            </a:r>
+            <a:r>
+              <a:rPr lang="nl-BE" dirty="0"/>
+              <a:t> wanneer er met meerdere API’s zal gewerkt worden maar ook is dit interessanter voor beheer en observatie.</a:t>
+            </a:r>
+          </a:p>
+          <a:p>
+            <a:r>
+              <a:rPr lang="nl-BE" dirty="0"/>
+              <a:t>Task Manager werkt met een </a:t>
+            </a:r>
+            <a:r>
+              <a:rPr lang="nl-BE" dirty="0" err="1"/>
+              <a:t>Hangfire</a:t>
+            </a:r>
+            <a:r>
+              <a:rPr lang="nl-BE" dirty="0"/>
+              <a:t> server die het mogelijk maakt om een </a:t>
+            </a:r>
+            <a:r>
+              <a:rPr lang="nl-BE" dirty="0" err="1"/>
+              <a:t>task</a:t>
+            </a:r>
+            <a:r>
+              <a:rPr lang="nl-BE" dirty="0"/>
+              <a:t> in te stellen elke bv maand/week uit te voeren tijdschema</a:t>
+            </a:r>
+          </a:p>
+          <a:p>
+            <a:r>
+              <a:rPr lang="nl-BE" dirty="0"/>
+              <a:t>Task Scheduler is gemaakt in WPF</a:t>
+            </a:r>
+          </a:p>
+        </p:txBody>
+      </p:sp>
+      <p:sp>
+        <p:nvSpPr>
+          <p:cNvPr id="4" name="Tijdelijke aanduiding voor dianummer 3"/>
+          <p:cNvSpPr>
+            <a:spLocks noGrp="1"/>
+          </p:cNvSpPr>
+          <p:nvPr>
+            <p:ph type="sldNum" sz="quarter" idx="5"/>
+          </p:nvPr>
+        </p:nvSpPr>
+        <p:spPr/>
+        <p:txBody>
+          <a:bodyPr/>
+          <a:lstStyle/>
+          <a:p>
+            <a:fld id="{8894BEB4-3771-4FFD-B587-3A26CA6C0614}" type="slidenum">
+              <a:rPr lang="nl-BE" smtClean="0"/>
+              <a:t>5</a:t>
+            </a:fld>
+            <a:endParaRPr lang="nl-BE"/>
+          </a:p>
+        </p:txBody>
+      </p:sp>
+    </p:spTree>
+    <p:extLst>
+      <p:ext uri="{BB962C8B-B14F-4D97-AF65-F5344CB8AC3E}">
+        <p14:creationId xmlns:p14="http://schemas.microsoft.com/office/powerpoint/2010/main" val="2732039772"/>
+      </p:ext>
+    </p:extLst>
+  </p:cSld>
+  <p:clrMapOvr>
+    <a:masterClrMapping/>
+  </p:clrMapOvr>
+</p:notes>
+</file>
+
+<file path=ppt/notesSlides/notesSlide6.xml><?xml version="1.0" encoding="utf-8"?>
+<p:notes xmlns:a="http://schemas.openxmlformats.org/drawingml/2006/main" xmlns:r="http://schemas.openxmlformats.org/officeDocument/2006/relationships" xmlns:p="http://schemas.openxmlformats.org/presentationml/2006/main">
+  <p:cSld>
+    <p:spTree>
+      <p:nvGrpSpPr>
+        <p:cNvPr id="1" name=""/>
+        <p:cNvGrpSpPr/>
+        <p:nvPr/>
+      </p:nvGrpSpPr>
+      <p:grpSpPr>
+        <a:xfrm>
+          <a:off x="0" y="0"/>
+          <a:ext cx="0" cy="0"/>
+          <a:chOff x="0" y="0"/>
+          <a:chExt cx="0" cy="0"/>
+        </a:xfrm>
+      </p:grpSpPr>
+      <p:sp>
+        <p:nvSpPr>
+          <p:cNvPr id="2" name="Tijdelijke aanduiding voor dia-afbeelding 1"/>
+          <p:cNvSpPr>
+            <a:spLocks noGrp="1" noRot="1" noChangeAspect="1"/>
+          </p:cNvSpPr>
+          <p:nvPr>
+            <p:ph type="sldImg"/>
+          </p:nvPr>
+        </p:nvSpPr>
+        <p:spPr/>
+      </p:sp>
+      <p:sp>
+        <p:nvSpPr>
+          <p:cNvPr id="3" name="Tijdelijke aanduiding voor notities 2"/>
+          <p:cNvSpPr>
+            <a:spLocks noGrp="1"/>
+          </p:cNvSpPr>
+          <p:nvPr>
+            <p:ph type="body" idx="1"/>
+          </p:nvPr>
+        </p:nvSpPr>
+        <p:spPr/>
+        <p:txBody>
+          <a:bodyPr/>
+          <a:lstStyle/>
+          <a:p>
+            <a:r>
+              <a:rPr lang="nl-BE" dirty="0"/>
+              <a:t>Met dit schema kan ik beter uitleggen wat het doel is.</a:t>
+            </a:r>
+          </a:p>
+          <a:p>
+            <a:r>
+              <a:rPr lang="nl-BE" dirty="0"/>
+              <a:t>Als gebruiken begin je bij de Task Scheduler App (WPF) je zal een taak kunnen opstellen en aangeven wanneer deze uitgevoerd moet worden. Dus bv elke maand op de eerste maandag.</a:t>
+            </a:r>
+          </a:p>
+          <a:p>
+            <a:r>
+              <a:rPr lang="nl-BE" dirty="0"/>
+              <a:t>De Task Scheduler zal deze taak doorsturen naar de </a:t>
+            </a:r>
+            <a:r>
+              <a:rPr lang="nl-BE" dirty="0" err="1"/>
+              <a:t>Hangfire</a:t>
+            </a:r>
+            <a:r>
+              <a:rPr lang="nl-BE" dirty="0"/>
+              <a:t> server deze zal dan een op het juiste moment een http </a:t>
+            </a:r>
+            <a:r>
+              <a:rPr lang="nl-BE" dirty="0" err="1"/>
+              <a:t>request</a:t>
+            </a:r>
+            <a:r>
+              <a:rPr lang="nl-BE" dirty="0"/>
+              <a:t> sturen naar de Azure APIM die dan de juiste data zal opvragen bij Mpleo API.</a:t>
+            </a:r>
+          </a:p>
+          <a:p>
+            <a:r>
+              <a:rPr lang="nl-BE" dirty="0"/>
+              <a:t>Mpleo antwoord met zijn data, in dit geval zal dit Werknemers data zijn.</a:t>
+            </a:r>
+          </a:p>
+          <a:p>
+            <a:r>
+              <a:rPr lang="nl-BE" dirty="0"/>
+              <a:t>De data zal terug door de APIM gaan en zo via de </a:t>
+            </a:r>
+            <a:r>
+              <a:rPr lang="nl-BE" dirty="0" err="1"/>
+              <a:t>hangfire</a:t>
+            </a:r>
+            <a:r>
+              <a:rPr lang="nl-BE" dirty="0"/>
+              <a:t> server zijn response doorsturen naar Arno die de data zal mappen en processen.</a:t>
+            </a:r>
+          </a:p>
+        </p:txBody>
+      </p:sp>
+      <p:sp>
+        <p:nvSpPr>
+          <p:cNvPr id="4" name="Tijdelijke aanduiding voor dianummer 3"/>
+          <p:cNvSpPr>
+            <a:spLocks noGrp="1"/>
+          </p:cNvSpPr>
+          <p:nvPr>
+            <p:ph type="sldNum" sz="quarter" idx="5"/>
+          </p:nvPr>
+        </p:nvSpPr>
+        <p:spPr/>
+        <p:txBody>
+          <a:bodyPr/>
+          <a:lstStyle/>
+          <a:p>
+            <a:fld id="{8894BEB4-3771-4FFD-B587-3A26CA6C0614}" type="slidenum">
+              <a:rPr lang="nl-BE" smtClean="0"/>
+              <a:t>6</a:t>
+            </a:fld>
+            <a:endParaRPr lang="nl-BE"/>
+          </a:p>
+        </p:txBody>
+      </p:sp>
+    </p:spTree>
+    <p:extLst>
+      <p:ext uri="{BB962C8B-B14F-4D97-AF65-F5344CB8AC3E}">
+        <p14:creationId xmlns:p14="http://schemas.microsoft.com/office/powerpoint/2010/main" val="3201430502"/>
+      </p:ext>
+    </p:extLst>
+  </p:cSld>
+  <p:clrMapOvr>
+    <a:masterClrMapping/>
+  </p:clrMapOvr>
+</p:notes>
+</file>
+
+<file path=ppt/notesSlides/notesSlide7.xml><?xml version="1.0" encoding="utf-8"?>
+<p:notes xmlns:a="http://schemas.openxmlformats.org/drawingml/2006/main" xmlns:r="http://schemas.openxmlformats.org/officeDocument/2006/relationships" xmlns:p="http://schemas.openxmlformats.org/presentationml/2006/main">
+  <p:cSld>
+    <p:spTree>
+      <p:nvGrpSpPr>
+        <p:cNvPr id="1" name=""/>
+        <p:cNvGrpSpPr/>
+        <p:nvPr/>
+      </p:nvGrpSpPr>
+      <p:grpSpPr>
+        <a:xfrm>
+          <a:off x="0" y="0"/>
+          <a:ext cx="0" cy="0"/>
+          <a:chOff x="0" y="0"/>
+          <a:chExt cx="0" cy="0"/>
+        </a:xfrm>
+      </p:grpSpPr>
+      <p:sp>
+        <p:nvSpPr>
+          <p:cNvPr id="2" name="Tijdelijke aanduiding voor dia-afbeelding 1"/>
+          <p:cNvSpPr>
+            <a:spLocks noGrp="1" noRot="1" noChangeAspect="1"/>
+          </p:cNvSpPr>
+          <p:nvPr>
+            <p:ph type="sldImg"/>
+          </p:nvPr>
+        </p:nvSpPr>
+        <p:spPr/>
+      </p:sp>
+      <p:sp>
+        <p:nvSpPr>
+          <p:cNvPr id="3" name="Tijdelijke aanduiding voor notities 2"/>
+          <p:cNvSpPr>
+            <a:spLocks noGrp="1"/>
+          </p:cNvSpPr>
+          <p:nvPr>
+            <p:ph type="body" idx="1"/>
+          </p:nvPr>
+        </p:nvSpPr>
+        <p:spPr/>
+        <p:txBody>
+          <a:bodyPr/>
+          <a:lstStyle/>
+          <a:p>
+            <a:r>
+              <a:rPr lang="nl-BE" dirty="0"/>
+              <a:t>Voorproefje van hoe Task Scheduler eruit ziet, met een voorbeeld taak die elke eerste maandag van de maand zou uitgevoerd worden.</a:t>
+            </a:r>
+          </a:p>
+        </p:txBody>
+      </p:sp>
+      <p:sp>
+        <p:nvSpPr>
+          <p:cNvPr id="4" name="Tijdelijke aanduiding voor dianummer 3"/>
+          <p:cNvSpPr>
+            <a:spLocks noGrp="1"/>
+          </p:cNvSpPr>
+          <p:nvPr>
+            <p:ph type="sldNum" sz="quarter" idx="5"/>
+          </p:nvPr>
+        </p:nvSpPr>
+        <p:spPr/>
+        <p:txBody>
+          <a:bodyPr/>
+          <a:lstStyle/>
+          <a:p>
+            <a:fld id="{8894BEB4-3771-4FFD-B587-3A26CA6C0614}" type="slidenum">
+              <a:rPr lang="nl-BE" smtClean="0"/>
+              <a:t>8</a:t>
+            </a:fld>
+            <a:endParaRPr lang="nl-BE"/>
+          </a:p>
+        </p:txBody>
+      </p:sp>
+    </p:spTree>
+    <p:extLst>
+      <p:ext uri="{BB962C8B-B14F-4D97-AF65-F5344CB8AC3E}">
+        <p14:creationId xmlns:p14="http://schemas.microsoft.com/office/powerpoint/2010/main" val="417256144"/>
+      </p:ext>
+    </p:extLst>
+  </p:cSld>
+  <p:clrMapOvr>
+    <a:masterClrMapping/>
+  </p:clrMapOvr>
+</p:notes>
+</file>
+
+<file path=ppt/notesSlides/notesSlide8.xml><?xml version="1.0" encoding="utf-8"?>
+<p:notes xmlns:a="http://schemas.openxmlformats.org/drawingml/2006/main" xmlns:r="http://schemas.openxmlformats.org/officeDocument/2006/relationships" xmlns:p="http://schemas.openxmlformats.org/presentationml/2006/main">
+  <p:cSld>
+    <p:spTree>
+      <p:nvGrpSpPr>
+        <p:cNvPr id="1" name=""/>
+        <p:cNvGrpSpPr/>
+        <p:nvPr/>
+      </p:nvGrpSpPr>
+      <p:grpSpPr>
+        <a:xfrm>
+          <a:off x="0" y="0"/>
+          <a:ext cx="0" cy="0"/>
+          <a:chOff x="0" y="0"/>
+          <a:chExt cx="0" cy="0"/>
+        </a:xfrm>
+      </p:grpSpPr>
+      <p:sp>
+        <p:nvSpPr>
+          <p:cNvPr id="2" name="Tijdelijke aanduiding voor dia-afbeelding 1"/>
+          <p:cNvSpPr>
+            <a:spLocks noGrp="1" noRot="1" noChangeAspect="1"/>
+          </p:cNvSpPr>
+          <p:nvPr>
+            <p:ph type="sldImg"/>
+          </p:nvPr>
+        </p:nvSpPr>
+        <p:spPr/>
+      </p:sp>
+      <p:sp>
+        <p:nvSpPr>
+          <p:cNvPr id="3" name="Tijdelijke aanduiding voor notities 2"/>
+          <p:cNvSpPr>
+            <a:spLocks noGrp="1"/>
+          </p:cNvSpPr>
+          <p:nvPr>
+            <p:ph type="body" idx="1"/>
+          </p:nvPr>
+        </p:nvSpPr>
+        <p:spPr/>
+        <p:txBody>
+          <a:bodyPr/>
+          <a:lstStyle/>
+          <a:p>
+            <a:r>
+              <a:rPr lang="nl-BE" dirty="0"/>
+              <a:t>Vervolgens ga ik mijn onderzoek topic bespreken. Ik heb al verschillende keren aangehaald dat er met Azure APIM gewerkt wordt maar ik vroeg me af of dit de enige APIM was die hiervoor zou werken.</a:t>
+            </a:r>
+          </a:p>
+          <a:p>
+            <a:r>
+              <a:rPr lang="nl-BE" dirty="0"/>
+              <a:t>Na wat opzoeken ben ik nog op </a:t>
+            </a:r>
+            <a:r>
+              <a:rPr lang="nl-BE" dirty="0" err="1"/>
+              <a:t>apigee</a:t>
+            </a:r>
+            <a:r>
+              <a:rPr lang="nl-BE" dirty="0"/>
+              <a:t> uitgekomen dit is  de APIM van google. Het leek me wel interessant om de twee eens met elkaar te vergelijken.</a:t>
+            </a:r>
+          </a:p>
+          <a:p>
+            <a:r>
+              <a:rPr lang="nl-BE" dirty="0"/>
+              <a:t>Tobania had Azure voorgesteld omdat ze al andere functies van Azure </a:t>
+            </a:r>
+            <a:r>
+              <a:rPr lang="nl-BE" dirty="0" err="1"/>
+              <a:t>gebuiken</a:t>
+            </a:r>
+            <a:r>
+              <a:rPr lang="nl-BE" dirty="0"/>
+              <a:t> en Azure is van Microsoft dus omdat we in .NET werken is de stap snel </a:t>
+            </a:r>
+            <a:r>
+              <a:rPr lang="nl-BE" dirty="0" err="1"/>
+              <a:t>gezegt</a:t>
+            </a:r>
+            <a:r>
+              <a:rPr lang="nl-BE" dirty="0"/>
+              <a:t>.</a:t>
+            </a:r>
+          </a:p>
+        </p:txBody>
+      </p:sp>
+      <p:sp>
+        <p:nvSpPr>
+          <p:cNvPr id="4" name="Tijdelijke aanduiding voor dianummer 3"/>
+          <p:cNvSpPr>
+            <a:spLocks noGrp="1"/>
+          </p:cNvSpPr>
+          <p:nvPr>
+            <p:ph type="sldNum" sz="quarter" idx="5"/>
+          </p:nvPr>
+        </p:nvSpPr>
+        <p:spPr/>
+        <p:txBody>
+          <a:bodyPr/>
+          <a:lstStyle/>
+          <a:p>
+            <a:fld id="{8894BEB4-3771-4FFD-B587-3A26CA6C0614}" type="slidenum">
+              <a:rPr lang="nl-BE" smtClean="0"/>
+              <a:t>9</a:t>
+            </a:fld>
+            <a:endParaRPr lang="nl-BE"/>
+          </a:p>
+        </p:txBody>
+      </p:sp>
+    </p:spTree>
+    <p:extLst>
+      <p:ext uri="{BB962C8B-B14F-4D97-AF65-F5344CB8AC3E}">
+        <p14:creationId xmlns:p14="http://schemas.microsoft.com/office/powerpoint/2010/main" val="567305232"/>
+      </p:ext>
+    </p:extLst>
+  </p:cSld>
+  <p:clrMapOvr>
+    <a:masterClrMapping/>
+  </p:clrMapOvr>
+</p:notes>
+</file>
+
+<file path=ppt/notesSlides/notesSlide9.xml><?xml version="1.0" encoding="utf-8"?>
+<p:notes xmlns:a="http://schemas.openxmlformats.org/drawingml/2006/main" xmlns:r="http://schemas.openxmlformats.org/officeDocument/2006/relationships" xmlns:p="http://schemas.openxmlformats.org/presentationml/2006/main">
+  <p:cSld>
+    <p:spTree>
+      <p:nvGrpSpPr>
+        <p:cNvPr id="1" name=""/>
+        <p:cNvGrpSpPr/>
+        <p:nvPr/>
+      </p:nvGrpSpPr>
+      <p:grpSpPr>
+        <a:xfrm>
+          <a:off x="0" y="0"/>
+          <a:ext cx="0" cy="0"/>
+          <a:chOff x="0" y="0"/>
+          <a:chExt cx="0" cy="0"/>
+        </a:xfrm>
+      </p:grpSpPr>
+      <p:sp>
+        <p:nvSpPr>
+          <p:cNvPr id="2" name="Tijdelijke aanduiding voor dia-afbeelding 1"/>
+          <p:cNvSpPr>
+            <a:spLocks noGrp="1" noRot="1" noChangeAspect="1"/>
+          </p:cNvSpPr>
+          <p:nvPr>
+            <p:ph type="sldImg"/>
+          </p:nvPr>
+        </p:nvSpPr>
+        <p:spPr/>
+      </p:sp>
+      <p:sp>
+        <p:nvSpPr>
+          <p:cNvPr id="3" name="Tijdelijke aanduiding voor notities 2"/>
+          <p:cNvSpPr>
+            <a:spLocks noGrp="1"/>
+          </p:cNvSpPr>
+          <p:nvPr>
+            <p:ph type="body" idx="1"/>
+          </p:nvPr>
+        </p:nvSpPr>
+        <p:spPr/>
+        <p:txBody>
+          <a:bodyPr/>
+          <a:lstStyle/>
+          <a:p>
+            <a:r>
+              <a:rPr lang="nl-BE" dirty="0"/>
+              <a:t>Onderzoek nog niet gedaan</a:t>
+            </a:r>
+          </a:p>
+        </p:txBody>
+      </p:sp>
+      <p:sp>
+        <p:nvSpPr>
+          <p:cNvPr id="4" name="Tijdelijke aanduiding voor dianummer 3"/>
+          <p:cNvSpPr>
+            <a:spLocks noGrp="1"/>
+          </p:cNvSpPr>
+          <p:nvPr>
+            <p:ph type="sldNum" sz="quarter" idx="5"/>
+          </p:nvPr>
+        </p:nvSpPr>
+        <p:spPr/>
+        <p:txBody>
+          <a:bodyPr/>
+          <a:lstStyle/>
+          <a:p>
+            <a:fld id="{8894BEB4-3771-4FFD-B587-3A26CA6C0614}" type="slidenum">
+              <a:rPr lang="nl-BE" smtClean="0"/>
+              <a:t>10</a:t>
+            </a:fld>
+            <a:endParaRPr lang="nl-BE"/>
+          </a:p>
+        </p:txBody>
+      </p:sp>
+    </p:spTree>
+    <p:extLst>
+      <p:ext uri="{BB962C8B-B14F-4D97-AF65-F5344CB8AC3E}">
+        <p14:creationId xmlns:p14="http://schemas.microsoft.com/office/powerpoint/2010/main" val="2529067549"/>
+      </p:ext>
+    </p:extLst>
+  </p:cSld>
+  <p:clrMapOvr>
+    <a:masterClrMapping/>
+  </p:clrMapOvr>
+</p:notes>
 </file>
 
 <file path=ppt/slideLayouts/slideLayout1.xml><?xml version="1.0" encoding="utf-8"?>
@@ -285,7 +1995,7 @@
           <a:p>
             <a:fld id="{4FB949D0-174A-4342-959F-3BF937C4BFE7}" type="datetimeFigureOut">
               <a:rPr lang="nl-BE" smtClean="0"/>
-              <a:t>19/04/2022</a:t>
+              <a:t>20/04/2022</a:t>
             </a:fld>
             <a:endParaRPr lang="nl-BE"/>
           </a:p>
@@ -455,7 +2165,7 @@
           <a:p>
             <a:fld id="{4FB949D0-174A-4342-959F-3BF937C4BFE7}" type="datetimeFigureOut">
               <a:rPr lang="nl-BE" smtClean="0"/>
-              <a:t>19/04/2022</a:t>
+              <a:t>20/04/2022</a:t>
             </a:fld>
             <a:endParaRPr lang="nl-BE"/>
           </a:p>
@@ -635,7 +2345,7 @@
           <a:p>
             <a:fld id="{4FB949D0-174A-4342-959F-3BF937C4BFE7}" type="datetimeFigureOut">
               <a:rPr lang="nl-BE" smtClean="0"/>
-              <a:t>19/04/2022</a:t>
+              <a:t>20/04/2022</a:t>
             </a:fld>
             <a:endParaRPr lang="nl-BE"/>
           </a:p>
@@ -805,7 +2515,7 @@
           <a:p>
             <a:fld id="{4FB949D0-174A-4342-959F-3BF937C4BFE7}" type="datetimeFigureOut">
               <a:rPr lang="nl-BE" smtClean="0"/>
-              <a:t>19/04/2022</a:t>
+              <a:t>20/04/2022</a:t>
             </a:fld>
             <a:endParaRPr lang="nl-BE"/>
           </a:p>
@@ -1073,7 +2783,7 @@
           <a:p>
             <a:fld id="{4FB949D0-174A-4342-959F-3BF937C4BFE7}" type="datetimeFigureOut">
               <a:rPr lang="nl-BE" smtClean="0"/>
-              <a:t>19/04/2022</a:t>
+              <a:t>20/04/2022</a:t>
             </a:fld>
             <a:endParaRPr lang="nl-BE"/>
           </a:p>
@@ -1305,7 +3015,7 @@
           <a:p>
             <a:fld id="{4FB949D0-174A-4342-959F-3BF937C4BFE7}" type="datetimeFigureOut">
               <a:rPr lang="nl-BE" smtClean="0"/>
-              <a:t>19/04/2022</a:t>
+              <a:t>20/04/2022</a:t>
             </a:fld>
             <a:endParaRPr lang="nl-BE"/>
           </a:p>
@@ -1664,7 +3374,7 @@
           <a:p>
             <a:fld id="{4FB949D0-174A-4342-959F-3BF937C4BFE7}" type="datetimeFigureOut">
               <a:rPr lang="nl-BE" smtClean="0"/>
-              <a:t>19/04/2022</a:t>
+              <a:t>20/04/2022</a:t>
             </a:fld>
             <a:endParaRPr lang="nl-BE"/>
           </a:p>
@@ -1805,7 +3515,7 @@
           <a:p>
             <a:fld id="{4FB949D0-174A-4342-959F-3BF937C4BFE7}" type="datetimeFigureOut">
               <a:rPr lang="nl-BE" smtClean="0"/>
-              <a:t>19/04/2022</a:t>
+              <a:t>20/04/2022</a:t>
             </a:fld>
             <a:endParaRPr lang="nl-BE"/>
           </a:p>
@@ -1900,7 +3610,7 @@
           <a:p>
             <a:fld id="{4FB949D0-174A-4342-959F-3BF937C4BFE7}" type="datetimeFigureOut">
               <a:rPr lang="nl-BE" smtClean="0"/>
-              <a:t>19/04/2022</a:t>
+              <a:t>20/04/2022</a:t>
             </a:fld>
             <a:endParaRPr lang="nl-BE"/>
           </a:p>
@@ -2257,7 +3967,7 @@
           <a:p>
             <a:fld id="{4FB949D0-174A-4342-959F-3BF937C4BFE7}" type="datetimeFigureOut">
               <a:rPr lang="nl-BE" smtClean="0"/>
-              <a:t>19/04/2022</a:t>
+              <a:t>20/04/2022</a:t>
             </a:fld>
             <a:endParaRPr lang="nl-BE"/>
           </a:p>
@@ -2614,7 +4324,7 @@
           <a:p>
             <a:fld id="{4FB949D0-174A-4342-959F-3BF937C4BFE7}" type="datetimeFigureOut">
               <a:rPr lang="nl-BE" smtClean="0"/>
-              <a:t>19/04/2022</a:t>
+              <a:t>20/04/2022</a:t>
             </a:fld>
             <a:endParaRPr lang="nl-BE"/>
           </a:p>
@@ -2856,7 +4566,7 @@
           <a:p>
             <a:fld id="{4FB949D0-174A-4342-959F-3BF937C4BFE7}" type="datetimeFigureOut">
               <a:rPr lang="nl-BE" smtClean="0"/>
-              <a:t>19/04/2022</a:t>
+              <a:t>20/04/2022</a:t>
             </a:fld>
             <a:endParaRPr lang="nl-BE"/>
           </a:p>
@@ -3544,7 +5254,7 @@
           <p:nvPr/>
         </p:nvPicPr>
         <p:blipFill>
-          <a:blip r:embed="rId2">
+          <a:blip r:embed="rId3">
             <a:extLst>
               <a:ext uri="{28A0092B-C50C-407E-A947-70E740481C1C}">
                 <a14:useLocalDpi xmlns:a14="http://schemas.microsoft.com/office/drawing/2010/main" val="0"/>
@@ -3580,7 +5290,7 @@
           <p:nvPr/>
         </p:nvPicPr>
         <p:blipFill>
-          <a:blip r:embed="rId3">
+          <a:blip r:embed="rId4">
             <a:extLst>
               <a:ext uri="{28A0092B-C50C-407E-A947-70E740481C1C}">
                 <a14:useLocalDpi xmlns:a14="http://schemas.microsoft.com/office/drawing/2010/main" val="0"/>
@@ -3594,7 +5304,7 @@
         </p:blipFill>
         <p:spPr bwMode="auto">
           <a:xfrm>
-            <a:off x="9017000" y="6211878"/>
+            <a:off x="8815197" y="6112563"/>
             <a:ext cx="3149600" cy="603263"/>
           </a:xfrm>
           <a:prstGeom prst="rect">
@@ -3628,6 +5338,158 @@
 <file path=ppt/slides/slide10.xml><?xml version="1.0" encoding="utf-8"?>
 <p:sld xmlns:a="http://schemas.openxmlformats.org/drawingml/2006/main" xmlns:r="http://schemas.openxmlformats.org/officeDocument/2006/relationships" xmlns:p="http://schemas.openxmlformats.org/presentationml/2006/main">
   <p:cSld>
+    <p:spTree>
+      <p:nvGrpSpPr>
+        <p:cNvPr id="1" name=""/>
+        <p:cNvGrpSpPr/>
+        <p:nvPr/>
+      </p:nvGrpSpPr>
+      <p:grpSpPr>
+        <a:xfrm>
+          <a:off x="0" y="0"/>
+          <a:ext cx="0" cy="0"/>
+          <a:chOff x="0" y="0"/>
+          <a:chExt cx="0" cy="0"/>
+        </a:xfrm>
+      </p:grpSpPr>
+      <p:sp>
+        <p:nvSpPr>
+          <p:cNvPr id="7" name="Titel 6">
+            <a:extLst>
+              <a:ext uri="{FF2B5EF4-FFF2-40B4-BE49-F238E27FC236}">
+                <a16:creationId xmlns:a16="http://schemas.microsoft.com/office/drawing/2014/main" id="{8F1B54FD-53D2-4F73-9257-D7C7E668618F}"/>
+              </a:ext>
+            </a:extLst>
+          </p:cNvPr>
+          <p:cNvSpPr>
+            <a:spLocks noGrp="1"/>
+          </p:cNvSpPr>
+          <p:nvPr>
+            <p:ph type="title"/>
+          </p:nvPr>
+        </p:nvSpPr>
+        <p:spPr/>
+        <p:txBody>
+          <a:bodyPr/>
+          <a:lstStyle/>
+          <a:p>
+            <a:r>
+              <a:rPr lang="nl-NL" dirty="0"/>
+              <a:t>Azure API management</a:t>
+            </a:r>
+            <a:endParaRPr lang="nl-BE" dirty="0"/>
+          </a:p>
+        </p:txBody>
+      </p:sp>
+      <p:sp>
+        <p:nvSpPr>
+          <p:cNvPr id="8" name="Tijdelijke aanduiding voor inhoud 7">
+            <a:extLst>
+              <a:ext uri="{FF2B5EF4-FFF2-40B4-BE49-F238E27FC236}">
+                <a16:creationId xmlns:a16="http://schemas.microsoft.com/office/drawing/2014/main" id="{6CF1DCE9-35E9-43E2-80D6-A8948627E89E}"/>
+              </a:ext>
+            </a:extLst>
+          </p:cNvPr>
+          <p:cNvSpPr>
+            <a:spLocks noGrp="1"/>
+          </p:cNvSpPr>
+          <p:nvPr>
+            <p:ph idx="1"/>
+          </p:nvPr>
+        </p:nvSpPr>
+        <p:spPr/>
+        <p:txBody>
+          <a:bodyPr/>
+          <a:lstStyle/>
+          <a:p>
+            <a:r>
+              <a:rPr lang="nl-NL" dirty="0"/>
+              <a:t>Microsoft</a:t>
+            </a:r>
+          </a:p>
+          <a:p>
+            <a:r>
+              <a:rPr lang="nl-NL" dirty="0"/>
+              <a:t>Voor- en nadelen</a:t>
+            </a:r>
+          </a:p>
+          <a:p>
+            <a:r>
+              <a:rPr lang="nl-NL" dirty="0"/>
+              <a:t>Prijs</a:t>
+            </a:r>
+          </a:p>
+          <a:p>
+            <a:r>
+              <a:rPr lang="nl-NL" dirty="0"/>
+              <a:t>Privacy</a:t>
+            </a:r>
+          </a:p>
+        </p:txBody>
+      </p:sp>
+      <p:pic>
+        <p:nvPicPr>
+          <p:cNvPr id="9" name="Picture 2" descr="Releases · Azure/API-Management · GitHub">
+            <a:extLst>
+              <a:ext uri="{FF2B5EF4-FFF2-40B4-BE49-F238E27FC236}">
+                <a16:creationId xmlns:a16="http://schemas.microsoft.com/office/drawing/2014/main" id="{AD2F072A-8444-4840-BFF1-4D9C8A918997}"/>
+              </a:ext>
+            </a:extLst>
+          </p:cNvPr>
+          <p:cNvPicPr>
+            <a:picLocks noChangeAspect="1" noChangeArrowheads="1"/>
+          </p:cNvPicPr>
+          <p:nvPr/>
+        </p:nvPicPr>
+        <p:blipFill>
+          <a:blip r:embed="rId3">
+            <a:extLst>
+              <a:ext uri="{28A0092B-C50C-407E-A947-70E740481C1C}">
+                <a14:useLocalDpi xmlns:a14="http://schemas.microsoft.com/office/drawing/2010/main" val="0"/>
+              </a:ext>
+            </a:extLst>
+          </a:blip>
+          <a:srcRect/>
+          <a:stretch>
+            <a:fillRect/>
+          </a:stretch>
+        </p:blipFill>
+        <p:spPr bwMode="auto">
+          <a:xfrm>
+            <a:off x="8655220" y="5009113"/>
+            <a:ext cx="3536780" cy="1768390"/>
+          </a:xfrm>
+          <a:prstGeom prst="rect">
+            <a:avLst/>
+          </a:prstGeom>
+          <a:noFill/>
+          <a:extLst>
+            <a:ext uri="{909E8E84-426E-40DD-AFC4-6F175D3DCCD1}">
+              <a14:hiddenFill xmlns:a14="http://schemas.microsoft.com/office/drawing/2010/main">
+                <a:solidFill>
+                  <a:srgbClr val="FFFFFF"/>
+                </a:solidFill>
+              </a14:hiddenFill>
+            </a:ext>
+          </a:extLst>
+        </p:spPr>
+      </p:pic>
+    </p:spTree>
+    <p:extLst>
+      <p:ext uri="{BB962C8B-B14F-4D97-AF65-F5344CB8AC3E}">
+        <p14:creationId xmlns:p14="http://schemas.microsoft.com/office/powerpoint/2010/main" val="2321830877"/>
+      </p:ext>
+    </p:extLst>
+  </p:cSld>
+  <p:clrMapOvr>
+    <a:masterClrMapping/>
+  </p:clrMapOvr>
+</p:sld>
+</file>
+
+<file path=ppt/slides/slide11.xml><?xml version="1.0" encoding="utf-8"?>
+<p:sld xmlns:a="http://schemas.openxmlformats.org/drawingml/2006/main" xmlns:r="http://schemas.openxmlformats.org/officeDocument/2006/relationships" xmlns:p="http://schemas.openxmlformats.org/presentationml/2006/main">
+  <p:cSld>
     <p:bg>
       <p:bgPr>
         <a:solidFill>
@@ -3873,7 +5735,11 @@
           <a:p>
             <a:r>
               <a:rPr lang="nl-NL" dirty="0"/>
-              <a:t>Demo/Screenshots</a:t>
+              <a:t>Demo/Screenshots </a:t>
+            </a:r>
+            <a:r>
+              <a:rPr lang="nl-NL" dirty="0" err="1"/>
+              <a:t>PoC</a:t>
             </a:r>
             <a:endParaRPr lang="nl-BE" dirty="0"/>
           </a:p>
@@ -3907,7 +5773,7 @@
           </a:bodyPr>
           <a:lstStyle/>
           <a:p>
-            <a:endParaRPr lang="nl-BE">
+            <a:endParaRPr lang="nl-BE" dirty="0">
               <a:solidFill>
                 <a:srgbClr val="404040"/>
               </a:solidFill>
@@ -3915,6 +5781,53 @@
           </a:p>
         </p:txBody>
       </p:sp>
+      <p:pic>
+        <p:nvPicPr>
+          <p:cNvPr id="8" name="Picture 2" descr="Releases · Azure/API-Management · GitHub">
+            <a:extLst>
+              <a:ext uri="{FF2B5EF4-FFF2-40B4-BE49-F238E27FC236}">
+                <a16:creationId xmlns:a16="http://schemas.microsoft.com/office/drawing/2014/main" id="{17A8DDAB-F47F-4B5A-82DF-85F5F01812E9}"/>
+              </a:ext>
+            </a:extLst>
+          </p:cNvPr>
+          <p:cNvPicPr>
+            <a:picLocks noChangeAspect="1" noChangeArrowheads="1"/>
+          </p:cNvPicPr>
+          <p:nvPr/>
+        </p:nvPicPr>
+        <p:blipFill>
+          <a:blip r:embed="rId3">
+            <a:extLst>
+              <a:ext uri="{28A0092B-C50C-407E-A947-70E740481C1C}">
+                <a14:useLocalDpi xmlns:a14="http://schemas.microsoft.com/office/drawing/2010/main" val="0"/>
+              </a:ext>
+            </a:extLst>
+          </a:blip>
+          <a:srcRect/>
+          <a:stretch>
+            <a:fillRect/>
+          </a:stretch>
+        </p:blipFill>
+        <p:spPr bwMode="auto">
+          <a:xfrm>
+            <a:off x="10485574" y="5824453"/>
+            <a:ext cx="2012780" cy="1006390"/>
+          </a:xfrm>
+          <a:prstGeom prst="rect">
+            <a:avLst/>
+          </a:prstGeom>
+          <a:noFill/>
+          <a:extLst>
+            <a:ext uri="{909E8E84-426E-40DD-AFC4-6F175D3DCCD1}">
+              <a14:hiddenFill xmlns:a14="http://schemas.microsoft.com/office/drawing/2010/main">
+                <a:solidFill>
+                  <a:srgbClr val="FFFFFF"/>
+                </a:solidFill>
+              </a14:hiddenFill>
+            </a:ext>
+          </a:extLst>
+        </p:spPr>
+      </p:pic>
     </p:spTree>
     <p:extLst>
       <p:ext uri="{BB962C8B-B14F-4D97-AF65-F5344CB8AC3E}">
@@ -3928,7 +5841,7 @@
 </p:sld>
 </file>
 
-<file path=ppt/slides/slide11.xml><?xml version="1.0" encoding="utf-8"?>
+<file path=ppt/slides/slide12.xml><?xml version="1.0" encoding="utf-8"?>
 <p:sld xmlns:a="http://schemas.openxmlformats.org/drawingml/2006/main" xmlns:r="http://schemas.openxmlformats.org/officeDocument/2006/relationships" xmlns:p="http://schemas.openxmlformats.org/presentationml/2006/main">
   <p:cSld>
     <p:spTree>
@@ -4007,6 +5920,26 @@
               <a:rPr lang="nl-NL" dirty="0"/>
               <a:t>Google</a:t>
             </a:r>
+          </a:p>
+          <a:p>
+            <a:r>
+              <a:rPr lang="nl-NL" dirty="0"/>
+              <a:t>Voor- en nadelen</a:t>
+            </a:r>
+          </a:p>
+          <a:p>
+            <a:r>
+              <a:rPr lang="nl-NL" dirty="0"/>
+              <a:t>Prijs</a:t>
+            </a:r>
+          </a:p>
+          <a:p>
+            <a:r>
+              <a:rPr lang="nl-NL" dirty="0"/>
+              <a:t>Privacy</a:t>
+            </a:r>
+          </a:p>
+          <a:p>
             <a:endParaRPr lang="nl-BE" dirty="0"/>
           </a:p>
         </p:txBody>
@@ -4054,7 +5987,7 @@
 </p:sld>
 </file>
 
-<file path=ppt/slides/slide12.xml><?xml version="1.0" encoding="utf-8"?>
+<file path=ppt/slides/slide13.xml><?xml version="1.0" encoding="utf-8"?>
 <p:sld xmlns:a="http://schemas.openxmlformats.org/drawingml/2006/main" xmlns:r="http://schemas.openxmlformats.org/officeDocument/2006/relationships" xmlns:p="http://schemas.openxmlformats.org/presentationml/2006/main">
   <p:cSld>
     <p:bg>
@@ -4302,7 +6235,11 @@
           <a:p>
             <a:r>
               <a:rPr lang="nl-NL" dirty="0"/>
-              <a:t>Demo/Screenshots</a:t>
+              <a:t>Demo/Screenshots </a:t>
+            </a:r>
+            <a:r>
+              <a:rPr lang="nl-NL" dirty="0" err="1"/>
+              <a:t>PoC</a:t>
             </a:r>
             <a:endParaRPr lang="nl-BE" dirty="0"/>
           </a:p>
@@ -4336,7 +6273,7 @@
           </a:bodyPr>
           <a:lstStyle/>
           <a:p>
-            <a:endParaRPr lang="nl-BE">
+            <a:endParaRPr lang="nl-BE" dirty="0">
               <a:solidFill>
                 <a:srgbClr val="404040"/>
               </a:solidFill>
@@ -4344,6 +6281,36 @@
           </a:p>
         </p:txBody>
       </p:sp>
+      <p:pic>
+        <p:nvPicPr>
+          <p:cNvPr id="7" name="Afbeelding 6">
+            <a:extLst>
+              <a:ext uri="{FF2B5EF4-FFF2-40B4-BE49-F238E27FC236}">
+                <a16:creationId xmlns:a16="http://schemas.microsoft.com/office/drawing/2014/main" id="{476FE655-2F08-406A-8E75-6A80195EAD0A}"/>
+              </a:ext>
+            </a:extLst>
+          </p:cNvPr>
+          <p:cNvPicPr>
+            <a:picLocks noChangeAspect="1"/>
+          </p:cNvPicPr>
+          <p:nvPr/>
+        </p:nvPicPr>
+        <p:blipFill>
+          <a:blip r:embed="rId2"/>
+          <a:stretch>
+            <a:fillRect/>
+          </a:stretch>
+        </p:blipFill>
+        <p:spPr>
+          <a:xfrm>
+            <a:off x="10485574" y="5953956"/>
+            <a:ext cx="1578455" cy="873252"/>
+          </a:xfrm>
+          <a:prstGeom prst="rect">
+            <a:avLst/>
+          </a:prstGeom>
+        </p:spPr>
+      </p:pic>
     </p:spTree>
     <p:extLst>
       <p:ext uri="{BB962C8B-B14F-4D97-AF65-F5344CB8AC3E}">
@@ -4357,7 +6324,7 @@
 </p:sld>
 </file>
 
-<file path=ppt/slides/slide13.xml><?xml version="1.0" encoding="utf-8"?>
+<file path=ppt/slides/slide14.xml><?xml version="1.0" encoding="utf-8"?>
 <p:sld xmlns:a="http://schemas.openxmlformats.org/drawingml/2006/main" xmlns:r="http://schemas.openxmlformats.org/officeDocument/2006/relationships" xmlns:p="http://schemas.openxmlformats.org/presentationml/2006/main">
   <p:cSld>
     <p:bg>
@@ -4627,41 +6594,120 @@
           </a:p>
         </p:txBody>
       </p:sp>
-      <p:sp>
-        <p:nvSpPr>
-          <p:cNvPr id="3" name="Tijdelijke aanduiding voor inhoud 2">
+      <p:pic>
+        <p:nvPicPr>
+          <p:cNvPr id="7" name="Picture 2" descr="Releases · Azure/API-Management · GitHub">
             <a:extLst>
               <a:ext uri="{FF2B5EF4-FFF2-40B4-BE49-F238E27FC236}">
-                <a16:creationId xmlns:a16="http://schemas.microsoft.com/office/drawing/2014/main" id="{4E58C8F3-4C21-4A12-8E47-26F08A4B8A74}"/>
+                <a16:creationId xmlns:a16="http://schemas.microsoft.com/office/drawing/2014/main" id="{AD5980A0-B8A4-4F2F-8E53-6E9D63842C43}"/>
               </a:ext>
             </a:extLst>
           </p:cNvPr>
-          <p:cNvSpPr>
-            <a:spLocks noGrp="1"/>
-          </p:cNvSpPr>
+          <p:cNvPicPr>
+            <a:picLocks noGrp="1" noChangeAspect="1" noChangeArrowheads="1"/>
+          </p:cNvPicPr>
           <p:nvPr>
             <p:ph idx="1"/>
           </p:nvPr>
+        </p:nvPicPr>
+        <p:blipFill>
+          <a:blip r:embed="rId3">
+            <a:extLst>
+              <a:ext uri="{28A0092B-C50C-407E-A947-70E740481C1C}">
+                <a14:useLocalDpi xmlns:a14="http://schemas.microsoft.com/office/drawing/2010/main" val="0"/>
+              </a:ext>
+            </a:extLst>
+          </a:blip>
+          <a:srcRect/>
+          <a:stretch>
+            <a:fillRect/>
+          </a:stretch>
+        </p:blipFill>
+        <p:spPr bwMode="auto">
+          <a:xfrm>
+            <a:off x="7094623" y="1333500"/>
+            <a:ext cx="2965451" cy="1482725"/>
+          </a:xfrm>
+          <a:prstGeom prst="rect">
+            <a:avLst/>
+          </a:prstGeom>
+          <a:noFill/>
+          <a:extLst>
+            <a:ext uri="{909E8E84-426E-40DD-AFC4-6F175D3DCCD1}">
+              <a14:hiddenFill xmlns:a14="http://schemas.microsoft.com/office/drawing/2010/main">
+                <a:solidFill>
+                  <a:srgbClr val="FFFFFF"/>
+                </a:solidFill>
+              </a14:hiddenFill>
+            </a:ext>
+          </a:extLst>
+        </p:spPr>
+      </p:pic>
+      <p:sp>
+        <p:nvSpPr>
+          <p:cNvPr id="4" name="Tekstvak 3">
+            <a:extLst>
+              <a:ext uri="{FF2B5EF4-FFF2-40B4-BE49-F238E27FC236}">
+                <a16:creationId xmlns:a16="http://schemas.microsoft.com/office/drawing/2014/main" id="{9BAB1E83-94F1-4C3F-9AAA-21FCFB0C9E74}"/>
+              </a:ext>
+            </a:extLst>
+          </p:cNvPr>
+          <p:cNvSpPr txBox="1"/>
+          <p:nvPr/>
         </p:nvSpPr>
         <p:spPr>
           <a:xfrm>
-            <a:off x="5591695" y="1402080"/>
-            <a:ext cx="5320696" cy="4053840"/>
+            <a:off x="8219719" y="3136612"/>
+            <a:ext cx="715260" cy="584775"/>
           </a:xfrm>
+          <a:prstGeom prst="rect">
+            <a:avLst/>
+          </a:prstGeom>
+          <a:noFill/>
         </p:spPr>
         <p:txBody>
-          <a:bodyPr anchor="ctr">
-            <a:normAutofit/>
+          <a:bodyPr wrap="none" rtlCol="0">
+            <a:spAutoFit/>
           </a:bodyPr>
           <a:lstStyle/>
           <a:p>
-            <a:pPr marL="0" indent="0">
-              <a:buNone/>
-            </a:pPr>
-            <a:endParaRPr lang="nl-BE" dirty="0"/>
-          </a:p>
-        </p:txBody>
-      </p:sp>
+            <a:r>
+              <a:rPr lang="nl-BE" sz="3200" dirty="0"/>
+              <a:t>OF</a:t>
+            </a:r>
+          </a:p>
+        </p:txBody>
+      </p:sp>
+      <p:pic>
+        <p:nvPicPr>
+          <p:cNvPr id="9" name="Afbeelding 8">
+            <a:extLst>
+              <a:ext uri="{FF2B5EF4-FFF2-40B4-BE49-F238E27FC236}">
+                <a16:creationId xmlns:a16="http://schemas.microsoft.com/office/drawing/2014/main" id="{3E9D0390-7D88-4700-94E9-3A2848145B5E}"/>
+              </a:ext>
+            </a:extLst>
+          </p:cNvPr>
+          <p:cNvPicPr>
+            <a:picLocks noChangeAspect="1"/>
+          </p:cNvPicPr>
+          <p:nvPr/>
+        </p:nvPicPr>
+        <p:blipFill>
+          <a:blip r:embed="rId4"/>
+          <a:stretch>
+            <a:fillRect/>
+          </a:stretch>
+        </p:blipFill>
+        <p:spPr>
+          <a:xfrm>
+            <a:off x="7245522" y="3788791"/>
+            <a:ext cx="2680114" cy="1482725"/>
+          </a:xfrm>
+          <a:prstGeom prst="rect">
+            <a:avLst/>
+          </a:prstGeom>
+        </p:spPr>
+      </p:pic>
     </p:spTree>
     <p:extLst>
       <p:ext uri="{BB962C8B-B14F-4D97-AF65-F5344CB8AC3E}">
@@ -4675,7 +6721,7 @@
 </p:sld>
 </file>
 
-<file path=ppt/slides/slide14.xml><?xml version="1.0" encoding="utf-8"?>
+<file path=ppt/slides/slide15.xml><?xml version="1.0" encoding="utf-8"?>
 <p:sld xmlns:a="http://schemas.openxmlformats.org/drawingml/2006/main" xmlns:r="http://schemas.openxmlformats.org/officeDocument/2006/relationships" xmlns:p="http://schemas.openxmlformats.org/presentationml/2006/main">
   <p:cSld>
     <p:spTree>
@@ -4742,6 +6788,9 @@
           <a:bodyPr/>
           <a:lstStyle/>
           <a:p>
+            <a:pPr marL="0" indent="0">
+              <a:buNone/>
+            </a:pPr>
             <a:endParaRPr lang="nl-BE" dirty="0"/>
           </a:p>
         </p:txBody>
@@ -4759,7 +6808,7 @@
 </p:sld>
 </file>
 
-<file path=ppt/slides/slide15.xml><?xml version="1.0" encoding="utf-8"?>
+<file path=ppt/slides/slide16.xml><?xml version="1.0" encoding="utf-8"?>
 <p:sld xmlns:a="http://schemas.openxmlformats.org/drawingml/2006/main" xmlns:r="http://schemas.openxmlformats.org/officeDocument/2006/relationships" xmlns:p="http://schemas.openxmlformats.org/presentationml/2006/main">
   <p:cSld>
     <p:bg>
@@ -4989,7 +7038,7 @@
 </p:sld>
 </file>
 
-<file path=ppt/slides/slide16.xml><?xml version="1.0" encoding="utf-8"?>
+<file path=ppt/slides/slide17.xml><?xml version="1.0" encoding="utf-8"?>
 <p:sld xmlns:a="http://schemas.openxmlformats.org/drawingml/2006/main" xmlns:r="http://schemas.openxmlformats.org/officeDocument/2006/relationships" xmlns:p="http://schemas.openxmlformats.org/presentationml/2006/main">
   <p:cSld>
     <p:bg>
@@ -5555,13 +7604,19 @@
           <a:p>
             <a:r>
               <a:rPr lang="nl-BE" sz="2400" dirty="0"/>
-              <a:t>Research Topic</a:t>
+              <a:t>Onderzoek topic</a:t>
             </a:r>
           </a:p>
           <a:p>
             <a:r>
               <a:rPr lang="nl-BE" sz="2400" dirty="0"/>
               <a:t>Conclusie</a:t>
+            </a:r>
+          </a:p>
+          <a:p>
+            <a:r>
+              <a:rPr lang="nl-BE" sz="2400" dirty="0"/>
+              <a:t>Reflectie</a:t>
             </a:r>
             <a:endParaRPr lang="nl-NL" sz="2400" dirty="0"/>
           </a:p>
@@ -5643,7 +7698,7 @@
           </p:nvPr>
         </p:nvPicPr>
         <p:blipFill>
-          <a:blip r:embed="rId2">
+          <a:blip r:embed="rId3">
             <a:extLst>
               <a:ext uri="{28A0092B-C50C-407E-A947-70E740481C1C}">
                 <a14:useLocalDpi xmlns:a14="http://schemas.microsoft.com/office/drawing/2010/main" val="0"/>
@@ -5741,18 +7796,63 @@
         </p:nvSpPr>
         <p:spPr/>
         <p:txBody>
-          <a:bodyPr/>
-          <a:lstStyle/>
-          <a:p>
+          <a:bodyPr>
+            <a:normAutofit fontScale="92500" lnSpcReduction="10000"/>
+          </a:bodyPr>
+          <a:lstStyle/>
+          <a:p>
+            <a:pPr>
+              <a:lnSpc>
+                <a:spcPct val="200000"/>
+              </a:lnSpc>
+            </a:pPr>
             <a:r>
               <a:rPr lang="nl-NL" dirty="0"/>
               <a:t>Acerta project</a:t>
             </a:r>
           </a:p>
           <a:p>
+            <a:pPr>
+              <a:lnSpc>
+                <a:spcPct val="200000"/>
+              </a:lnSpc>
+            </a:pPr>
             <a:r>
               <a:rPr lang="nl-NL" dirty="0"/>
               <a:t>Arno</a:t>
+            </a:r>
+          </a:p>
+          <a:p>
+            <a:pPr>
+              <a:lnSpc>
+                <a:spcPct val="200000"/>
+              </a:lnSpc>
+            </a:pPr>
+            <a:r>
+              <a:rPr lang="nl-NL" dirty="0"/>
+              <a:t>Mpleo API</a:t>
+            </a:r>
+          </a:p>
+          <a:p>
+            <a:pPr>
+              <a:lnSpc>
+                <a:spcPct val="200000"/>
+              </a:lnSpc>
+            </a:pPr>
+            <a:r>
+              <a:rPr lang="nl-NL" dirty="0"/>
+              <a:t>Connector Module</a:t>
+            </a:r>
+          </a:p>
+          <a:p>
+            <a:pPr>
+              <a:lnSpc>
+                <a:spcPct val="200000"/>
+              </a:lnSpc>
+            </a:pPr>
+            <a:r>
+              <a:rPr lang="nl-NL" dirty="0"/>
+              <a:t>Task Scheduler</a:t>
             </a:r>
           </a:p>
           <a:p>
@@ -5775,7 +7875,7 @@
           <p:nvPr/>
         </p:nvPicPr>
         <p:blipFill>
-          <a:blip r:embed="rId2">
+          <a:blip r:embed="rId3">
             <a:extLst>
               <a:ext uri="{28A0092B-C50C-407E-A947-70E740481C1C}">
                 <a14:useLocalDpi xmlns:a14="http://schemas.microsoft.com/office/drawing/2010/main" val="0"/>
@@ -5823,6 +7923,16 @@
 <file path=ppt/slides/slide5.xml><?xml version="1.0" encoding="utf-8"?>
 <p:sld xmlns:a="http://schemas.openxmlformats.org/drawingml/2006/main" xmlns:r="http://schemas.openxmlformats.org/officeDocument/2006/relationships" xmlns:p="http://schemas.openxmlformats.org/presentationml/2006/main">
   <p:cSld>
+    <p:bg>
+      <p:bgPr>
+        <a:solidFill>
+          <a:schemeClr val="bg1">
+            <a:lumMod val="95000"/>
+          </a:schemeClr>
+        </a:solidFill>
+        <a:effectLst/>
+      </p:bgPr>
+    </p:bg>
     <p:spTree>
       <p:nvGrpSpPr>
         <p:cNvPr id="1" name=""/>
@@ -5839,6 +7949,69 @@
       </p:grpSpPr>
       <p:sp>
         <p:nvSpPr>
+          <p:cNvPr id="71" name="Rectangle 70">
+            <a:extLst>
+              <a:ext uri="{FF2B5EF4-FFF2-40B4-BE49-F238E27FC236}">
+                <a16:creationId xmlns:a16="http://schemas.microsoft.com/office/drawing/2014/main" id="{CF4680D4-DEE2-49EE-AF90-EFEAF50AEC23}"/>
+              </a:ext>
+              <a:ext uri="{C183D7F6-B498-43B3-948B-1728B52AA6E4}">
+                <adec:decorative xmlns:adec="http://schemas.microsoft.com/office/drawing/2017/decorative" val="1"/>
+              </a:ext>
+            </a:extLst>
+          </p:cNvPr>
+          <p:cNvSpPr>
+            <a:spLocks noGrp="1" noRot="1" noChangeAspect="1" noMove="1" noResize="1" noEditPoints="1" noAdjustHandles="1" noChangeArrowheads="1" noChangeShapeType="1" noTextEdit="1"/>
+          </p:cNvSpPr>
+          <p:nvPr>
+            <p:extLst>
+              <p:ext uri="{386F3935-93C4-4BCD-93E2-E3B085C9AB24}">
+                <p16:designElem xmlns:p16="http://schemas.microsoft.com/office/powerpoint/2015/main" val="1"/>
+              </p:ext>
+            </p:extLst>
+          </p:nvPr>
+        </p:nvSpPr>
+        <p:spPr>
+          <a:xfrm>
+            <a:off x="0" y="-2"/>
+            <a:ext cx="6876939" cy="6858002"/>
+          </a:xfrm>
+          <a:prstGeom prst="rect">
+            <a:avLst/>
+          </a:prstGeom>
+          <a:solidFill>
+            <a:schemeClr val="accent2"/>
+          </a:solidFill>
+          <a:ln>
+            <a:noFill/>
+          </a:ln>
+        </p:spPr>
+        <p:style>
+          <a:lnRef idx="2">
+            <a:schemeClr val="accent1">
+              <a:shade val="50000"/>
+            </a:schemeClr>
+          </a:lnRef>
+          <a:fillRef idx="1">
+            <a:schemeClr val="accent1"/>
+          </a:fillRef>
+          <a:effectRef idx="0">
+            <a:schemeClr val="accent1"/>
+          </a:effectRef>
+          <a:fontRef idx="minor">
+            <a:schemeClr val="lt1"/>
+          </a:fontRef>
+        </p:style>
+        <p:txBody>
+          <a:bodyPr rtlCol="0" anchor="ctr"/>
+          <a:lstStyle/>
+          <a:p>
+            <a:pPr algn="ctr"/>
+            <a:endParaRPr lang="en-US"/>
+          </a:p>
+        </p:txBody>
+      </p:sp>
+      <p:sp>
+        <p:nvSpPr>
           <p:cNvPr id="2" name="Titel 1">
             <a:extLst>
               <a:ext uri="{FF2B5EF4-FFF2-40B4-BE49-F238E27FC236}">
@@ -5853,18 +8026,30 @@
             <p:ph type="title"/>
           </p:nvPr>
         </p:nvSpPr>
-        <p:spPr/>
-        <p:txBody>
-          <a:bodyPr/>
-          <a:lstStyle/>
-          <a:p>
-            <a:r>
-              <a:rPr lang="nl-BE" sz="2800" dirty="0"/>
+        <p:spPr>
+          <a:xfrm>
+            <a:off x="804671" y="1290025"/>
+            <a:ext cx="5291327" cy="1188720"/>
+          </a:xfrm>
+          <a:solidFill>
+            <a:srgbClr val="FFFFFF"/>
+          </a:solidFill>
+          <a:ln>
+            <a:solidFill>
+              <a:srgbClr val="404040"/>
+            </a:solidFill>
+          </a:ln>
+        </p:spPr>
+        <p:txBody>
+          <a:bodyPr>
+            <a:normAutofit/>
+          </a:bodyPr>
+          <a:lstStyle/>
+          <a:p>
+            <a:r>
+              <a:rPr lang="nl-BE"/>
               <a:t>Technische aspecten</a:t>
             </a:r>
-            <a:br>
-              <a:rPr lang="nl-BE" sz="2800" dirty="0"/>
-            </a:br>
             <a:endParaRPr lang="nl-BE" dirty="0"/>
           </a:p>
         </p:txBody>
@@ -5885,41 +8070,249 @@
             <p:ph idx="1"/>
           </p:nvPr>
         </p:nvSpPr>
-        <p:spPr/>
-        <p:txBody>
-          <a:bodyPr/>
-          <a:lstStyle/>
-          <a:p>
-            <a:r>
-              <a:rPr lang="nl-NL" dirty="0"/>
+        <p:spPr>
+          <a:xfrm>
+            <a:off x="804671" y="2858703"/>
+            <a:ext cx="5285791" cy="3042547"/>
+          </a:xfrm>
+        </p:spPr>
+        <p:txBody>
+          <a:bodyPr>
+            <a:normAutofit lnSpcReduction="10000"/>
+          </a:bodyPr>
+          <a:lstStyle/>
+          <a:p>
+            <a:pPr>
+              <a:lnSpc>
+                <a:spcPct val="150000"/>
+              </a:lnSpc>
+              <a:buClrTx/>
+            </a:pPr>
+            <a:r>
+              <a:rPr lang="nl-NL" dirty="0">
+                <a:solidFill>
+                  <a:srgbClr val="FFFFFF"/>
+                </a:solidFill>
+              </a:rPr>
               <a:t>.NET</a:t>
             </a:r>
           </a:p>
           <a:p>
-            <a:r>
-              <a:rPr lang="nl-NL" dirty="0"/>
+            <a:pPr>
+              <a:lnSpc>
+                <a:spcPct val="150000"/>
+              </a:lnSpc>
+              <a:buClrTx/>
+            </a:pPr>
+            <a:r>
+              <a:rPr lang="nl-NL" dirty="0">
+                <a:solidFill>
+                  <a:srgbClr val="FFFFFF"/>
+                </a:solidFill>
+              </a:rPr>
+              <a:t>WPF</a:t>
+            </a:r>
+          </a:p>
+          <a:p>
+            <a:pPr>
+              <a:lnSpc>
+                <a:spcPct val="150000"/>
+              </a:lnSpc>
+              <a:buClrTx/>
+            </a:pPr>
+            <a:r>
+              <a:rPr lang="nl-NL" dirty="0">
+                <a:solidFill>
+                  <a:srgbClr val="FFFFFF"/>
+                </a:solidFill>
+              </a:rPr>
               <a:t>CQRS pattern</a:t>
             </a:r>
           </a:p>
           <a:p>
-            <a:r>
-              <a:rPr lang="nl-NL" dirty="0" err="1"/>
+            <a:pPr>
+              <a:lnSpc>
+                <a:spcPct val="150000"/>
+              </a:lnSpc>
+              <a:buClrTx/>
+            </a:pPr>
+            <a:r>
+              <a:rPr lang="nl-NL" dirty="0" err="1">
+                <a:solidFill>
+                  <a:srgbClr val="FFFFFF"/>
+                </a:solidFill>
+              </a:rPr>
               <a:t>Automapper</a:t>
             </a:r>
-            <a:endParaRPr lang="nl-NL" dirty="0"/>
-          </a:p>
-          <a:p>
-            <a:r>
-              <a:rPr lang="nl-NL" dirty="0"/>
+            <a:endParaRPr lang="nl-NL" dirty="0">
+              <a:solidFill>
+                <a:srgbClr val="FFFFFF"/>
+              </a:solidFill>
+            </a:endParaRPr>
+          </a:p>
+          <a:p>
+            <a:pPr>
+              <a:lnSpc>
+                <a:spcPct val="150000"/>
+              </a:lnSpc>
+              <a:buClrTx/>
+            </a:pPr>
+            <a:r>
+              <a:rPr lang="nl-NL" dirty="0">
+                <a:solidFill>
+                  <a:srgbClr val="FFFFFF"/>
+                </a:solidFill>
+              </a:rPr>
               <a:t>Azure API Management</a:t>
             </a:r>
           </a:p>
           <a:p>
-            <a:r>
-              <a:rPr lang="nl-NL" dirty="0" err="1"/>
+            <a:pPr>
+              <a:lnSpc>
+                <a:spcPct val="150000"/>
+              </a:lnSpc>
+              <a:buClrTx/>
+            </a:pPr>
+            <a:r>
+              <a:rPr lang="nl-NL" dirty="0" err="1">
+                <a:solidFill>
+                  <a:srgbClr val="FFFFFF"/>
+                </a:solidFill>
+              </a:rPr>
               <a:t>Hangfire</a:t>
             </a:r>
-            <a:endParaRPr lang="nl-BE" dirty="0"/>
+            <a:endParaRPr lang="nl-NL" dirty="0">
+              <a:solidFill>
+                <a:srgbClr val="FFFFFF"/>
+              </a:solidFill>
+            </a:endParaRPr>
+          </a:p>
+        </p:txBody>
+      </p:sp>
+      <p:sp>
+        <p:nvSpPr>
+          <p:cNvPr id="73" name="Rectangle 72">
+            <a:extLst>
+              <a:ext uri="{FF2B5EF4-FFF2-40B4-BE49-F238E27FC236}">
+                <a16:creationId xmlns:a16="http://schemas.microsoft.com/office/drawing/2014/main" id="{50C52EE1-5085-4960-AD29-A926E62ECC9F}"/>
+              </a:ext>
+              <a:ext uri="{C183D7F6-B498-43B3-948B-1728B52AA6E4}">
+                <adec:decorative xmlns:adec="http://schemas.microsoft.com/office/drawing/2017/decorative" val="1"/>
+              </a:ext>
+            </a:extLst>
+          </p:cNvPr>
+          <p:cNvSpPr>
+            <a:spLocks noGrp="1" noRot="1" noChangeAspect="1" noMove="1" noResize="1" noEditPoints="1" noAdjustHandles="1" noChangeArrowheads="1" noChangeShapeType="1" noTextEdit="1"/>
+          </p:cNvSpPr>
+          <p:nvPr>
+            <p:extLst>
+              <p:ext uri="{386F3935-93C4-4BCD-93E2-E3B085C9AB24}">
+                <p16:designElem xmlns:p16="http://schemas.microsoft.com/office/powerpoint/2015/main" val="1"/>
+              </p:ext>
+            </p:extLst>
+          </p:nvPr>
+        </p:nvSpPr>
+        <p:spPr>
+          <a:xfrm>
+            <a:off x="7534656" y="640080"/>
+            <a:ext cx="4017264" cy="5261170"/>
+          </a:xfrm>
+          <a:prstGeom prst="rect">
+            <a:avLst/>
+          </a:prstGeom>
+          <a:noFill/>
+          <a:ln w="31750" cap="sq">
+            <a:solidFill>
+              <a:srgbClr val="FFFFFF"/>
+            </a:solidFill>
+            <a:miter lim="800000"/>
+          </a:ln>
+        </p:spPr>
+        <p:style>
+          <a:lnRef idx="2">
+            <a:schemeClr val="accent1">
+              <a:shade val="50000"/>
+            </a:schemeClr>
+          </a:lnRef>
+          <a:fillRef idx="1">
+            <a:schemeClr val="accent1"/>
+          </a:fillRef>
+          <a:effectRef idx="0">
+            <a:schemeClr val="accent1"/>
+          </a:effectRef>
+          <a:fontRef idx="minor">
+            <a:schemeClr val="lt1"/>
+          </a:fontRef>
+        </p:style>
+        <p:txBody>
+          <a:bodyPr rtlCol="0" anchor="ctr"/>
+          <a:lstStyle/>
+          <a:p>
+            <a:pPr algn="ctr"/>
+            <a:endParaRPr lang="en-US" dirty="0"/>
+          </a:p>
+        </p:txBody>
+      </p:sp>
+      <p:sp>
+        <p:nvSpPr>
+          <p:cNvPr id="75" name="Rectangle 74">
+            <a:extLst>
+              <a:ext uri="{FF2B5EF4-FFF2-40B4-BE49-F238E27FC236}">
+                <a16:creationId xmlns:a16="http://schemas.microsoft.com/office/drawing/2014/main" id="{CD15AA94-C237-4412-B37B-EB317D2B05B7}"/>
+              </a:ext>
+              <a:ext uri="{C183D7F6-B498-43B3-948B-1728B52AA6E4}">
+                <adec:decorative xmlns:adec="http://schemas.microsoft.com/office/drawing/2017/decorative" val="1"/>
+              </a:ext>
+            </a:extLst>
+          </p:cNvPr>
+          <p:cNvSpPr>
+            <a:spLocks noGrp="1" noRot="1" noChangeAspect="1" noMove="1" noResize="1" noEditPoints="1" noAdjustHandles="1" noChangeArrowheads="1" noChangeShapeType="1" noTextEdit="1"/>
+          </p:cNvSpPr>
+          <p:nvPr>
+            <p:extLst>
+              <p:ext uri="{386F3935-93C4-4BCD-93E2-E3B085C9AB24}">
+                <p16:designElem xmlns:p16="http://schemas.microsoft.com/office/powerpoint/2015/main" val="1"/>
+              </p:ext>
+            </p:extLst>
+          </p:nvPr>
+        </p:nvSpPr>
+        <p:spPr>
+          <a:xfrm>
+            <a:off x="7700772" y="806357"/>
+            <a:ext cx="3685032" cy="4928616"/>
+          </a:xfrm>
+          <a:prstGeom prst="rect">
+            <a:avLst/>
+          </a:prstGeom>
+          <a:solidFill>
+            <a:srgbClr val="FFFFFF"/>
+          </a:solidFill>
+          <a:ln>
+            <a:noFill/>
+          </a:ln>
+        </p:spPr>
+        <p:style>
+          <a:lnRef idx="2">
+            <a:schemeClr val="accent1">
+              <a:shade val="50000"/>
+            </a:schemeClr>
+          </a:lnRef>
+          <a:fillRef idx="1">
+            <a:schemeClr val="accent1"/>
+          </a:fillRef>
+          <a:effectRef idx="0">
+            <a:schemeClr val="accent1"/>
+          </a:effectRef>
+          <a:fontRef idx="minor">
+            <a:schemeClr val="lt1"/>
+          </a:fontRef>
+        </p:style>
+        <p:txBody>
+          <a:bodyPr rtlCol="0" anchor="ctr"/>
+          <a:lstStyle/>
+          <a:p>
+            <a:pPr algn="ctr"/>
+            <a:endParaRPr lang="en-US"/>
           </a:p>
         </p:txBody>
       </p:sp>
@@ -5938,7 +8331,53 @@
           <p:nvPr/>
         </p:nvPicPr>
         <p:blipFill>
-          <a:blip r:embed="rId2">
+          <a:blip r:embed="rId3">
+            <a:extLst>
+              <a:ext uri="{28A0092B-C50C-407E-A947-70E740481C1C}">
+                <a14:useLocalDpi xmlns:a14="http://schemas.microsoft.com/office/drawing/2010/main" val="0"/>
+              </a:ext>
+            </a:extLst>
+          </a:blip>
+          <a:stretch>
+            <a:fillRect/>
+          </a:stretch>
+        </p:blipFill>
+        <p:spPr bwMode="auto">
+          <a:xfrm>
+            <a:off x="8917824" y="1228165"/>
+            <a:ext cx="1250927" cy="1250927"/>
+          </a:xfrm>
+          <a:prstGeom prst="rect">
+            <a:avLst/>
+          </a:prstGeom>
+          <a:noFill/>
+          <a:extLst>
+            <a:ext uri="{909E8E84-426E-40DD-AFC4-6F175D3DCCD1}">
+              <a14:hiddenFill xmlns:a14="http://schemas.microsoft.com/office/drawing/2010/main">
+                <a:solidFill>
+                  <a:srgbClr val="FFFFFF"/>
+                </a:solidFill>
+              </a14:hiddenFill>
+            </a:ext>
+          </a:extLst>
+        </p:spPr>
+      </p:pic>
+      <p:pic>
+        <p:nvPicPr>
+          <p:cNvPr id="1026" name="Picture 2" descr="Logo">
+            <a:extLst>
+              <a:ext uri="{FF2B5EF4-FFF2-40B4-BE49-F238E27FC236}">
+                <a16:creationId xmlns:a16="http://schemas.microsoft.com/office/drawing/2014/main" id="{0B9CBB22-F069-4C7E-A714-F15BB627678A}"/>
+              </a:ext>
+            </a:extLst>
+          </p:cNvPr>
+          <p:cNvPicPr>
+            <a:picLocks noChangeAspect="1" noChangeArrowheads="1"/>
+          </p:cNvPicPr>
+          <p:nvPr/>
+        </p:nvPicPr>
+        <p:blipFill>
+          <a:blip r:embed="rId4">
             <a:extLst>
               <a:ext uri="{28A0092B-C50C-407E-A947-70E740481C1C}">
                 <a14:useLocalDpi xmlns:a14="http://schemas.microsoft.com/office/drawing/2010/main" val="0"/>
@@ -5952,8 +8391,48 @@
         </p:blipFill>
         <p:spPr bwMode="auto">
           <a:xfrm>
-            <a:off x="10123602" y="4872368"/>
-            <a:ext cx="1735318" cy="1735318"/>
+            <a:off x="8048878" y="3124587"/>
+            <a:ext cx="3132151" cy="304413"/>
+          </a:xfrm>
+          <a:prstGeom prst="rect">
+            <a:avLst/>
+          </a:prstGeom>
+          <a:solidFill>
+            <a:schemeClr val="tx1"/>
+          </a:solidFill>
+        </p:spPr>
+      </p:pic>
+      <p:pic>
+        <p:nvPicPr>
+          <p:cNvPr id="9" name="Picture 2" descr="Releases · Azure/API-Management · GitHub">
+            <a:extLst>
+              <a:ext uri="{FF2B5EF4-FFF2-40B4-BE49-F238E27FC236}">
+                <a16:creationId xmlns:a16="http://schemas.microsoft.com/office/drawing/2014/main" id="{B3148FBC-8E85-4601-AC0A-15F48FE735C3}"/>
+              </a:ext>
+            </a:extLst>
+          </p:cNvPr>
+          <p:cNvPicPr>
+            <a:picLocks noChangeAspect="1" noChangeArrowheads="1"/>
+          </p:cNvPicPr>
+          <p:nvPr/>
+        </p:nvPicPr>
+        <p:blipFill>
+          <a:blip r:embed="rId5">
+            <a:extLst>
+              <a:ext uri="{28A0092B-C50C-407E-A947-70E740481C1C}">
+                <a14:useLocalDpi xmlns:a14="http://schemas.microsoft.com/office/drawing/2010/main" val="0"/>
+              </a:ext>
+            </a:extLst>
+          </a:blip>
+          <a:srcRect/>
+          <a:stretch>
+            <a:fillRect/>
+          </a:stretch>
+        </p:blipFill>
+        <p:spPr bwMode="auto">
+          <a:xfrm>
+            <a:off x="8229623" y="4253502"/>
+            <a:ext cx="2627328" cy="1313664"/>
           </a:xfrm>
           <a:prstGeom prst="rect">
             <a:avLst/>
@@ -6100,18 +8579,9 @@
           <a:lstStyle/>
           <a:p>
             <a:r>
-              <a:rPr lang="en-US" dirty="0" err="1"/>
-              <a:t>Implementatie</a:t>
-            </a:r>
-            <a:r>
-              <a:rPr lang="en-US" dirty="0"/>
-              <a:t> </a:t>
-            </a:r>
-            <a:r>
-              <a:rPr lang="en-US" dirty="0" err="1"/>
-              <a:t>opdracht</a:t>
-            </a:r>
-            <a:endParaRPr lang="en-US" dirty="0"/>
+              <a:rPr lang="nl-BE" dirty="0"/>
+              <a:t>Implementatie opdracht</a:t>
+            </a:r>
           </a:p>
         </p:txBody>
       </p:sp>
@@ -6259,7 +8729,7 @@
           </p:nvPr>
         </p:nvPicPr>
         <p:blipFill>
-          <a:blip r:embed="rId2">
+          <a:blip r:embed="rId3">
             <a:extLst>
               <a:ext uri="{28A0092B-C50C-407E-A947-70E740481C1C}">
                 <a14:useLocalDpi xmlns:a14="http://schemas.microsoft.com/office/drawing/2010/main" val="0"/>
@@ -6523,6 +8993,66 @@
           <a:chExt cx="0" cy="0"/>
         </a:xfrm>
       </p:grpSpPr>
+      <p:pic>
+        <p:nvPicPr>
+          <p:cNvPr id="5" name="Afbeelding 4">
+            <a:extLst>
+              <a:ext uri="{FF2B5EF4-FFF2-40B4-BE49-F238E27FC236}">
+                <a16:creationId xmlns:a16="http://schemas.microsoft.com/office/drawing/2014/main" id="{FAEC4544-75FD-4103-8A9E-492217021C18}"/>
+              </a:ext>
+            </a:extLst>
+          </p:cNvPr>
+          <p:cNvPicPr>
+            <a:picLocks noChangeAspect="1"/>
+          </p:cNvPicPr>
+          <p:nvPr/>
+        </p:nvPicPr>
+        <p:blipFill>
+          <a:blip r:embed="rId3"/>
+          <a:stretch>
+            <a:fillRect/>
+          </a:stretch>
+        </p:blipFill>
+        <p:spPr>
+          <a:xfrm>
+            <a:off x="2031269" y="752763"/>
+            <a:ext cx="8129462" cy="5352473"/>
+          </a:xfrm>
+          <a:prstGeom prst="rect">
+            <a:avLst/>
+          </a:prstGeom>
+        </p:spPr>
+      </p:pic>
+    </p:spTree>
+    <p:extLst>
+      <p:ext uri="{BB962C8B-B14F-4D97-AF65-F5344CB8AC3E}">
+        <p14:creationId xmlns:p14="http://schemas.microsoft.com/office/powerpoint/2010/main" val="1478778629"/>
+      </p:ext>
+    </p:extLst>
+  </p:cSld>
+  <p:clrMapOvr>
+    <a:masterClrMapping/>
+  </p:clrMapOvr>
+</p:sld>
+</file>
+
+<file path=ppt/slides/slide9.xml><?xml version="1.0" encoding="utf-8"?>
+<p:sld xmlns:a="http://schemas.openxmlformats.org/drawingml/2006/main" xmlns:r="http://schemas.openxmlformats.org/officeDocument/2006/relationships" xmlns:p="http://schemas.openxmlformats.org/presentationml/2006/main">
+  <p:cSld>
+    <p:spTree>
+      <p:nvGrpSpPr>
+        <p:cNvPr id="1" name=""/>
+        <p:cNvGrpSpPr/>
+        <p:nvPr/>
+      </p:nvGrpSpPr>
+      <p:grpSpPr>
+        <a:xfrm>
+          <a:off x="0" y="0"/>
+          <a:ext cx="0" cy="0"/>
+          <a:chOff x="0" y="0"/>
+          <a:chExt cx="0" cy="0"/>
+        </a:xfrm>
+      </p:grpSpPr>
       <p:sp>
         <p:nvSpPr>
           <p:cNvPr id="4" name="Tijdelijke aanduiding voor tekst 3">
@@ -6661,7 +9191,7 @@
           <a:p>
             <a:r>
               <a:rPr lang="nl-NL" dirty="0"/>
-              <a:t>Research topic</a:t>
+              <a:t>Onderzoek topic</a:t>
             </a:r>
             <a:endParaRPr lang="nl-BE" dirty="0"/>
           </a:p>
@@ -6682,7 +9212,7 @@
           <p:nvPr/>
         </p:nvPicPr>
         <p:blipFill>
-          <a:blip r:embed="rId2">
+          <a:blip r:embed="rId3">
             <a:extLst>
               <a:ext uri="{28A0092B-C50C-407E-A947-70E740481C1C}">
                 <a14:useLocalDpi xmlns:a14="http://schemas.microsoft.com/office/drawing/2010/main" val="0"/>
@@ -6729,7 +9259,7 @@
           <p:nvPr/>
         </p:nvPicPr>
         <p:blipFill>
-          <a:blip r:embed="rId3">
+          <a:blip r:embed="rId4">
             <a:extLst>
               <a:ext uri="{28A0092B-C50C-407E-A947-70E740481C1C}">
                 <a14:useLocalDpi xmlns:a14="http://schemas.microsoft.com/office/drawing/2010/main" val="0"/>
@@ -6774,179 +9304,45 @@
 </p:sld>
 </file>
 
-<file path=ppt/slides/slide9.xml><?xml version="1.0" encoding="utf-8"?>
-<p:sld xmlns:a="http://schemas.openxmlformats.org/drawingml/2006/main" xmlns:r="http://schemas.openxmlformats.org/officeDocument/2006/relationships" xmlns:p="http://schemas.openxmlformats.org/presentationml/2006/main">
-  <p:cSld>
-    <p:spTree>
-      <p:nvGrpSpPr>
-        <p:cNvPr id="1" name=""/>
-        <p:cNvGrpSpPr/>
-        <p:nvPr/>
-      </p:nvGrpSpPr>
-      <p:grpSpPr>
-        <a:xfrm>
-          <a:off x="0" y="0"/>
-          <a:ext cx="0" cy="0"/>
-          <a:chOff x="0" y="0"/>
-          <a:chExt cx="0" cy="0"/>
-        </a:xfrm>
-      </p:grpSpPr>
-      <p:sp>
-        <p:nvSpPr>
-          <p:cNvPr id="7" name="Titel 6">
-            <a:extLst>
-              <a:ext uri="{FF2B5EF4-FFF2-40B4-BE49-F238E27FC236}">
-                <a16:creationId xmlns:a16="http://schemas.microsoft.com/office/drawing/2014/main" id="{8F1B54FD-53D2-4F73-9257-D7C7E668618F}"/>
-              </a:ext>
-            </a:extLst>
-          </p:cNvPr>
-          <p:cNvSpPr>
-            <a:spLocks noGrp="1"/>
-          </p:cNvSpPr>
-          <p:nvPr>
-            <p:ph type="title"/>
-          </p:nvPr>
-        </p:nvSpPr>
-        <p:spPr/>
-        <p:txBody>
-          <a:bodyPr/>
-          <a:lstStyle/>
-          <a:p>
-            <a:r>
-              <a:rPr lang="nl-NL" dirty="0"/>
-              <a:t>Azure API management</a:t>
-            </a:r>
-            <a:endParaRPr lang="nl-BE" dirty="0"/>
-          </a:p>
-        </p:txBody>
-      </p:sp>
-      <p:sp>
-        <p:nvSpPr>
-          <p:cNvPr id="8" name="Tijdelijke aanduiding voor inhoud 7">
-            <a:extLst>
-              <a:ext uri="{FF2B5EF4-FFF2-40B4-BE49-F238E27FC236}">
-                <a16:creationId xmlns:a16="http://schemas.microsoft.com/office/drawing/2014/main" id="{6CF1DCE9-35E9-43E2-80D6-A8948627E89E}"/>
-              </a:ext>
-            </a:extLst>
-          </p:cNvPr>
-          <p:cNvSpPr>
-            <a:spLocks noGrp="1"/>
-          </p:cNvSpPr>
-          <p:nvPr>
-            <p:ph idx="1"/>
-          </p:nvPr>
-        </p:nvSpPr>
-        <p:spPr/>
-        <p:txBody>
-          <a:bodyPr/>
-          <a:lstStyle/>
-          <a:p>
-            <a:r>
-              <a:rPr lang="nl-NL" dirty="0"/>
-              <a:t>Microsoft</a:t>
-            </a:r>
-          </a:p>
-        </p:txBody>
-      </p:sp>
-      <p:pic>
-        <p:nvPicPr>
-          <p:cNvPr id="9" name="Picture 2" descr="Releases · Azure/API-Management · GitHub">
-            <a:extLst>
-              <a:ext uri="{FF2B5EF4-FFF2-40B4-BE49-F238E27FC236}">
-                <a16:creationId xmlns:a16="http://schemas.microsoft.com/office/drawing/2014/main" id="{AD2F072A-8444-4840-BFF1-4D9C8A918997}"/>
-              </a:ext>
-            </a:extLst>
-          </p:cNvPr>
-          <p:cNvPicPr>
-            <a:picLocks noChangeAspect="1" noChangeArrowheads="1"/>
-          </p:cNvPicPr>
-          <p:nvPr/>
-        </p:nvPicPr>
-        <p:blipFill>
-          <a:blip r:embed="rId2">
-            <a:extLst>
-              <a:ext uri="{28A0092B-C50C-407E-A947-70E740481C1C}">
-                <a14:useLocalDpi xmlns:a14="http://schemas.microsoft.com/office/drawing/2010/main" val="0"/>
-              </a:ext>
-            </a:extLst>
-          </a:blip>
-          <a:srcRect/>
-          <a:stretch>
-            <a:fillRect/>
-          </a:stretch>
-        </p:blipFill>
-        <p:spPr bwMode="auto">
-          <a:xfrm>
-            <a:off x="8655220" y="5089610"/>
-            <a:ext cx="3536780" cy="1768390"/>
-          </a:xfrm>
-          <a:prstGeom prst="rect">
-            <a:avLst/>
-          </a:prstGeom>
-          <a:noFill/>
-          <a:extLst>
-            <a:ext uri="{909E8E84-426E-40DD-AFC4-6F175D3DCCD1}">
-              <a14:hiddenFill xmlns:a14="http://schemas.microsoft.com/office/drawing/2010/main">
-                <a:solidFill>
-                  <a:srgbClr val="FFFFFF"/>
-                </a:solidFill>
-              </a14:hiddenFill>
-            </a:ext>
-          </a:extLst>
-        </p:spPr>
-      </p:pic>
-    </p:spTree>
-    <p:extLst>
-      <p:ext uri="{BB962C8B-B14F-4D97-AF65-F5344CB8AC3E}">
-        <p14:creationId xmlns:p14="http://schemas.microsoft.com/office/powerpoint/2010/main" val="2321830877"/>
-      </p:ext>
-    </p:extLst>
-  </p:cSld>
-  <p:clrMapOvr>
-    <a:masterClrMapping/>
-  </p:clrMapOvr>
-</p:sld>
-</file>
-
 <file path=ppt/theme/theme1.xml><?xml version="1.0" encoding="utf-8"?>
 <a:theme xmlns:a="http://schemas.openxmlformats.org/drawingml/2006/main" name="Pakket">
   <a:themeElements>
-    <a:clrScheme name="Pakket">
+    <a:clrScheme name="Groen">
       <a:dk1>
-        <a:srgbClr val="000000"/>
+        <a:sysClr val="windowText" lastClr="000000"/>
       </a:dk1>
       <a:lt1>
-        <a:srgbClr val="FFFFFF"/>
+        <a:sysClr val="window" lastClr="FFFFFF"/>
       </a:lt1>
       <a:dk2>
-        <a:srgbClr val="4A5356"/>
+        <a:srgbClr val="455F51"/>
       </a:dk2>
       <a:lt2>
-        <a:srgbClr val="E8E3CE"/>
+        <a:srgbClr val="E3DED1"/>
       </a:lt2>
       <a:accent1>
-        <a:srgbClr val="F6A21D"/>
+        <a:srgbClr val="549E39"/>
       </a:accent1>
       <a:accent2>
-        <a:srgbClr val="9BAFB5"/>
+        <a:srgbClr val="8AB833"/>
       </a:accent2>
       <a:accent3>
-        <a:srgbClr val="C96731"/>
+        <a:srgbClr val="C0CF3A"/>
       </a:accent3>
       <a:accent4>
-        <a:srgbClr val="9CA383"/>
+        <a:srgbClr val="029676"/>
       </a:accent4>
       <a:accent5>
-        <a:srgbClr val="87795D"/>
+        <a:srgbClr val="4AB5C4"/>
       </a:accent5>
       <a:accent6>
-        <a:srgbClr val="A0988C"/>
+        <a:srgbClr val="0989B1"/>
       </a:accent6>
       <a:hlink>
-        <a:srgbClr val="00B0F0"/>
+        <a:srgbClr val="6B9F25"/>
       </a:hlink>
       <a:folHlink>
-        <a:srgbClr val="738F97"/>
+        <a:srgbClr val="BA6906"/>
       </a:folHlink>
     </a:clrScheme>
     <a:fontScheme name="Pakket">
@@ -7166,4 +9562,299 @@
     </a:ext>
   </a:extLst>
 </a:theme>
+</file>
+
+<file path=ppt/theme/theme2.xml><?xml version="1.0" encoding="utf-8"?>
+<a:theme xmlns:a="http://schemas.openxmlformats.org/drawingml/2006/main" name="Kantoorthema">
+  <a:themeElements>
+    <a:clrScheme name="Office">
+      <a:dk1>
+        <a:sysClr val="windowText" lastClr="000000"/>
+      </a:dk1>
+      <a:lt1>
+        <a:sysClr val="window" lastClr="FFFFFF"/>
+      </a:lt1>
+      <a:dk2>
+        <a:srgbClr val="44546A"/>
+      </a:dk2>
+      <a:lt2>
+        <a:srgbClr val="E7E6E6"/>
+      </a:lt2>
+      <a:accent1>
+        <a:srgbClr val="4472C4"/>
+      </a:accent1>
+      <a:accent2>
+        <a:srgbClr val="ED7D31"/>
+      </a:accent2>
+      <a:accent3>
+        <a:srgbClr val="A5A5A5"/>
+      </a:accent3>
+      <a:accent4>
+        <a:srgbClr val="FFC000"/>
+      </a:accent4>
+      <a:accent5>
+        <a:srgbClr val="5B9BD5"/>
+      </a:accent5>
+      <a:accent6>
+        <a:srgbClr val="70AD47"/>
+      </a:accent6>
+      <a:hlink>
+        <a:srgbClr val="0563C1"/>
+      </a:hlink>
+      <a:folHlink>
+        <a:srgbClr val="954F72"/>
+      </a:folHlink>
+    </a:clrScheme>
+    <a:fontScheme name="Office">
+      <a:majorFont>
+        <a:latin typeface="Calibri Light" panose="020F0302020204030204"/>
+        <a:ea typeface=""/>
+        <a:cs typeface=""/>
+        <a:font script="Jpan" typeface="游ゴシック Light"/>
+        <a:font script="Hang" typeface="맑은 고딕"/>
+        <a:font script="Hans" typeface="等线 Light"/>
+        <a:font script="Hant" typeface="新細明體"/>
+        <a:font script="Arab" typeface="Times New Roman"/>
+        <a:font script="Hebr" typeface="Times New Roman"/>
+        <a:font script="Thai" typeface="Angsana New"/>
+        <a:font script="Ethi" typeface="Nyala"/>
+        <a:font script="Beng" typeface="Vrinda"/>
+        <a:font script="Gujr" typeface="Shruti"/>
+        <a:font script="Khmr" typeface="MoolBoran"/>
+        <a:font script="Knda" typeface="Tunga"/>
+        <a:font script="Guru" typeface="Raavi"/>
+        <a:font script="Cans" typeface="Euphemia"/>
+        <a:font script="Cher" typeface="Plantagenet Cherokee"/>
+        <a:font script="Yiii" typeface="Microsoft Yi Baiti"/>
+        <a:font script="Tibt" typeface="Microsoft Himalaya"/>
+        <a:font script="Thaa" typeface="MV Boli"/>
+        <a:font script="Deva" typeface="Mangal"/>
+        <a:font script="Telu" typeface="Gautami"/>
+        <a:font script="Taml" typeface="Latha"/>
+        <a:font script="Syrc" typeface="Estrangelo Edessa"/>
+        <a:font script="Orya" typeface="Kalinga"/>
+        <a:font script="Mlym" typeface="Kartika"/>
+        <a:font script="Laoo" typeface="DokChampa"/>
+        <a:font script="Sinh" typeface="Iskoola Pota"/>
+        <a:font script="Mong" typeface="Mongolian Baiti"/>
+        <a:font script="Viet" typeface="Times New Roman"/>
+        <a:font script="Uigh" typeface="Microsoft Uighur"/>
+        <a:font script="Geor" typeface="Sylfaen"/>
+        <a:font script="Armn" typeface="Arial"/>
+        <a:font script="Bugi" typeface="Leelawadee UI"/>
+        <a:font script="Bopo" typeface="Microsoft JhengHei"/>
+        <a:font script="Java" typeface="Javanese Text"/>
+        <a:font script="Lisu" typeface="Segoe UI"/>
+        <a:font script="Mymr" typeface="Myanmar Text"/>
+        <a:font script="Nkoo" typeface="Ebrima"/>
+        <a:font script="Olck" typeface="Nirmala UI"/>
+        <a:font script="Osma" typeface="Ebrima"/>
+        <a:font script="Phag" typeface="Phagspa"/>
+        <a:font script="Syrn" typeface="Estrangelo Edessa"/>
+        <a:font script="Syrj" typeface="Estrangelo Edessa"/>
+        <a:font script="Syre" typeface="Estrangelo Edessa"/>
+        <a:font script="Sora" typeface="Nirmala UI"/>
+        <a:font script="Tale" typeface="Microsoft Tai Le"/>
+        <a:font script="Talu" typeface="Microsoft New Tai Lue"/>
+        <a:font script="Tfng" typeface="Ebrima"/>
+      </a:majorFont>
+      <a:minorFont>
+        <a:latin typeface="Calibri" panose="020F0502020204030204"/>
+        <a:ea typeface=""/>
+        <a:cs typeface=""/>
+        <a:font script="Jpan" typeface="游ゴシック"/>
+        <a:font script="Hang" typeface="맑은 고딕"/>
+        <a:font script="Hans" typeface="等线"/>
+        <a:font script="Hant" typeface="新細明體"/>
+        <a:font script="Arab" typeface="Arial"/>
+        <a:font script="Hebr" typeface="Arial"/>
+        <a:font script="Thai" typeface="Cordia New"/>
+        <a:font script="Ethi" typeface="Nyala"/>
+        <a:font script="Beng" typeface="Vrinda"/>
+        <a:font script="Gujr" typeface="Shruti"/>
+        <a:font script="Khmr" typeface="DaunPenh"/>
+        <a:font script="Knda" typeface="Tunga"/>
+        <a:font script="Guru" typeface="Raavi"/>
+        <a:font script="Cans" typeface="Euphemia"/>
+        <a:font script="Cher" typeface="Plantagenet Cherokee"/>
+        <a:font script="Yiii" typeface="Microsoft Yi Baiti"/>
+        <a:font script="Tibt" typeface="Microsoft Himalaya"/>
+        <a:font script="Thaa" typeface="MV Boli"/>
+        <a:font script="Deva" typeface="Mangal"/>
+        <a:font script="Telu" typeface="Gautami"/>
+        <a:font script="Taml" typeface="Latha"/>
+        <a:font script="Syrc" typeface="Estrangelo Edessa"/>
+        <a:font script="Orya" typeface="Kalinga"/>
+        <a:font script="Mlym" typeface="Kartika"/>
+        <a:font script="Laoo" typeface="DokChampa"/>
+        <a:font script="Sinh" typeface="Iskoola Pota"/>
+        <a:font script="Mong" typeface="Mongolian Baiti"/>
+        <a:font script="Viet" typeface="Arial"/>
+        <a:font script="Uigh" typeface="Microsoft Uighur"/>
+        <a:font script="Geor" typeface="Sylfaen"/>
+        <a:font script="Armn" typeface="Arial"/>
+        <a:font script="Bugi" typeface="Leelawadee UI"/>
+        <a:font script="Bopo" typeface="Microsoft JhengHei"/>
+        <a:font script="Java" typeface="Javanese Text"/>
+        <a:font script="Lisu" typeface="Segoe UI"/>
+        <a:font script="Mymr" typeface="Myanmar Text"/>
+        <a:font script="Nkoo" typeface="Ebrima"/>
+        <a:font script="Olck" typeface="Nirmala UI"/>
+        <a:font script="Osma" typeface="Ebrima"/>
+        <a:font script="Phag" typeface="Phagspa"/>
+        <a:font script="Syrn" typeface="Estrangelo Edessa"/>
+        <a:font script="Syrj" typeface="Estrangelo Edessa"/>
+        <a:font script="Syre" typeface="Estrangelo Edessa"/>
+        <a:font script="Sora" typeface="Nirmala UI"/>
+        <a:font script="Tale" typeface="Microsoft Tai Le"/>
+        <a:font script="Talu" typeface="Microsoft New Tai Lue"/>
+        <a:font script="Tfng" typeface="Ebrima"/>
+      </a:minorFont>
+    </a:fontScheme>
+    <a:fmtScheme name="Office">
+      <a:fillStyleLst>
+        <a:solidFill>
+          <a:schemeClr val="phClr"/>
+        </a:solidFill>
+        <a:gradFill rotWithShape="1">
+          <a:gsLst>
+            <a:gs pos="0">
+              <a:schemeClr val="phClr">
+                <a:lumMod val="110000"/>
+                <a:satMod val="105000"/>
+                <a:tint val="67000"/>
+              </a:schemeClr>
+            </a:gs>
+            <a:gs pos="50000">
+              <a:schemeClr val="phClr">
+                <a:lumMod val="105000"/>
+                <a:satMod val="103000"/>
+                <a:tint val="73000"/>
+              </a:schemeClr>
+            </a:gs>
+            <a:gs pos="100000">
+              <a:schemeClr val="phClr">
+                <a:lumMod val="105000"/>
+                <a:satMod val="109000"/>
+                <a:tint val="81000"/>
+              </a:schemeClr>
+            </a:gs>
+          </a:gsLst>
+          <a:lin ang="5400000" scaled="0"/>
+        </a:gradFill>
+        <a:gradFill rotWithShape="1">
+          <a:gsLst>
+            <a:gs pos="0">
+              <a:schemeClr val="phClr">
+                <a:satMod val="103000"/>
+                <a:lumMod val="102000"/>
+                <a:tint val="94000"/>
+              </a:schemeClr>
+            </a:gs>
+            <a:gs pos="50000">
+              <a:schemeClr val="phClr">
+                <a:satMod val="110000"/>
+                <a:lumMod val="100000"/>
+                <a:shade val="100000"/>
+              </a:schemeClr>
+            </a:gs>
+            <a:gs pos="100000">
+              <a:schemeClr val="phClr">
+                <a:lumMod val="99000"/>
+                <a:satMod val="120000"/>
+                <a:shade val="78000"/>
+              </a:schemeClr>
+            </a:gs>
+          </a:gsLst>
+          <a:lin ang="5400000" scaled="0"/>
+        </a:gradFill>
+      </a:fillStyleLst>
+      <a:lnStyleLst>
+        <a:ln w="6350" cap="flat" cmpd="sng" algn="ctr">
+          <a:solidFill>
+            <a:schemeClr val="phClr"/>
+          </a:solidFill>
+          <a:prstDash val="solid"/>
+          <a:miter lim="800000"/>
+        </a:ln>
+        <a:ln w="12700" cap="flat" cmpd="sng" algn="ctr">
+          <a:solidFill>
+            <a:schemeClr val="phClr"/>
+          </a:solidFill>
+          <a:prstDash val="solid"/>
+          <a:miter lim="800000"/>
+        </a:ln>
+        <a:ln w="19050" cap="flat" cmpd="sng" algn="ctr">
+          <a:solidFill>
+            <a:schemeClr val="phClr"/>
+          </a:solidFill>
+          <a:prstDash val="solid"/>
+          <a:miter lim="800000"/>
+        </a:ln>
+      </a:lnStyleLst>
+      <a:effectStyleLst>
+        <a:effectStyle>
+          <a:effectLst/>
+        </a:effectStyle>
+        <a:effectStyle>
+          <a:effectLst/>
+        </a:effectStyle>
+        <a:effectStyle>
+          <a:effectLst>
+            <a:outerShdw blurRad="57150" dist="19050" dir="5400000" algn="ctr" rotWithShape="0">
+              <a:srgbClr val="000000">
+                <a:alpha val="63000"/>
+              </a:srgbClr>
+            </a:outerShdw>
+          </a:effectLst>
+        </a:effectStyle>
+      </a:effectStyleLst>
+      <a:bgFillStyleLst>
+        <a:solidFill>
+          <a:schemeClr val="phClr"/>
+        </a:solidFill>
+        <a:solidFill>
+          <a:schemeClr val="phClr">
+            <a:tint val="95000"/>
+            <a:satMod val="170000"/>
+          </a:schemeClr>
+        </a:solidFill>
+        <a:gradFill rotWithShape="1">
+          <a:gsLst>
+            <a:gs pos="0">
+              <a:schemeClr val="phClr">
+                <a:tint val="93000"/>
+                <a:satMod val="150000"/>
+                <a:shade val="98000"/>
+                <a:lumMod val="102000"/>
+              </a:schemeClr>
+            </a:gs>
+            <a:gs pos="50000">
+              <a:schemeClr val="phClr">
+                <a:tint val="98000"/>
+                <a:satMod val="130000"/>
+                <a:shade val="90000"/>
+                <a:lumMod val="103000"/>
+              </a:schemeClr>
+            </a:gs>
+            <a:gs pos="100000">
+              <a:schemeClr val="phClr">
+                <a:shade val="63000"/>
+                <a:satMod val="120000"/>
+              </a:schemeClr>
+            </a:gs>
+          </a:gsLst>
+          <a:lin ang="5400000" scaled="0"/>
+        </a:gradFill>
+      </a:bgFillStyleLst>
+    </a:fmtScheme>
+  </a:themeElements>
+  <a:objectDefaults/>
+  <a:extraClrSchemeLst/>
+  <a:extLst>
+    <a:ext uri="{05A4C25C-085E-4340-85A3-A5531E510DB2}">
+      <thm15:themeFamily xmlns:thm15="http://schemas.microsoft.com/office/thememl/2012/main" name="Office Theme" id="{62F939B6-93AF-4DB8-9C6B-D6C7DFDC589F}" vid="{4A3C46E8-61CC-4603-A589-7422A47A8E4A}"/>
+    </a:ext>
+  </a:extLst>
+</a:theme>
 </file>